--- a/Game World.pptx
+++ b/Game World.pptx
@@ -26,8 +26,8 @@
     <p:sldId id="258" r:id="rId17"/>
     <p:sldId id="2462" r:id="rId18"/>
     <p:sldId id="2468" r:id="rId19"/>
-    <p:sldId id="2467" r:id="rId20"/>
-    <p:sldId id="2441" r:id="rId21"/>
+    <p:sldId id="2441" r:id="rId20"/>
+    <p:sldId id="2467" r:id="rId21"/>
   </p:sldIdLst>
   <p:sldSz cx="12192000" cy="6858000"/>
   <p:notesSz cx="6858000" cy="9144000"/>
@@ -231,7 +231,7 @@
           <a:p>
             <a:fld id="{D1CB9CF0-A540-4793-A5F3-F4917CFDDCB6}" type="datetimeFigureOut">
               <a:rPr lang="en-US" smtClean="0"/>
-              <a:t>2/6/2020</a:t>
+              <a:t>2/17/2020</a:t>
             </a:fld>
             <a:endParaRPr lang="en-US" dirty="0"/>
           </a:p>
@@ -408,7 +408,7 @@
           <a:p>
             <a:fld id="{EDA03753-A5BE-4D79-AEA9-C0A65A6F8851}" type="datetimeFigureOut">
               <a:rPr lang="en-US" smtClean="0"/>
-              <a:t>2/6/2020</a:t>
+              <a:t>2/17/2020</a:t>
             </a:fld>
             <a:endParaRPr lang="en-US" dirty="0"/>
           </a:p>
@@ -908,7 +908,7 @@
           <a:p>
             <a:fld id="{AA3BE989-76B8-4F13-9267-01FDA45C437A}" type="slidenum">
               <a:rPr lang="en-US" smtClean="0"/>
-              <a:t>16</a:t>
+              <a:t>17</a:t>
             </a:fld>
             <a:endParaRPr lang="en-US" dirty="0"/>
           </a:p>
@@ -1648,7 +1648,7 @@
           <a:lstStyle/>
           <a:p>
             <a:r>
-              <a:rPr lang="en-US" smtClean="0"/>
+              <a:rPr lang="en-US"/>
               <a:t>Click icon to add picture</a:t>
             </a:r>
             <a:endParaRPr lang="en-US" dirty="0"/>
@@ -2229,7 +2229,7 @@
           </a:lstStyle>
           <a:p>
             <a:r>
-              <a:rPr lang="en-US" smtClean="0"/>
+              <a:rPr lang="en-US"/>
               <a:t>Click to edit Master subtitle style</a:t>
             </a:r>
             <a:endParaRPr lang="en-US" dirty="0"/>
@@ -2246,13 +2246,13 @@
   <p:clrMapOvr>
     <a:masterClrMapping/>
   </p:clrMapOvr>
-  <mc:AlternateContent xmlns:mc="http://schemas.openxmlformats.org/markup-compatibility/2006">
-    <mc:Choice xmlns:p14="http://schemas.microsoft.com/office/powerpoint/2010/main" Requires="p14">
+  <mc:AlternateContent xmlns:mc="http://schemas.openxmlformats.org/markup-compatibility/2006" xmlns:p14="http://schemas.microsoft.com/office/powerpoint/2010/main">
+    <mc:Choice Requires="p14">
       <p:transition spd="slow" p14:dur="1400">
         <p14:doors dir="vert"/>
       </p:transition>
     </mc:Choice>
-    <mc:Fallback>
+    <mc:Fallback xmlns="">
       <p:transition spd="slow">
         <p:fade/>
       </p:transition>
@@ -2385,7 +2385,7 @@
             <a:blip r:embed="rId2">
               <a:extLst>
                 <a:ext uri="{96DAC541-7B7A-43D3-8B79-37D633B846F1}">
-                  <asvg:svgBlip xmlns:asvg="http://schemas.microsoft.com/office/drawing/2016/SVG/main" xmlns="" r:embed="rId3"/>
+                  <asvg:svgBlip xmlns:asvg="http://schemas.microsoft.com/office/drawing/2016/SVG/main" r:embed="rId3"/>
                 </a:ext>
               </a:extLst>
             </a:blip>
@@ -2494,7 +2494,7 @@
           </a:lstStyle>
           <a:p>
             <a:r>
-              <a:rPr lang="en-US" smtClean="0"/>
+              <a:rPr lang="en-US"/>
               <a:t>Click to edit Master title style</a:t>
             </a:r>
             <a:endParaRPr lang="en-US" dirty="0"/>
@@ -2612,13 +2612,13 @@
   <p:clrMapOvr>
     <a:masterClrMapping/>
   </p:clrMapOvr>
-  <mc:AlternateContent xmlns:mc="http://schemas.openxmlformats.org/markup-compatibility/2006">
-    <mc:Choice xmlns:p14="http://schemas.microsoft.com/office/powerpoint/2010/main" Requires="p14">
+  <mc:AlternateContent xmlns:mc="http://schemas.openxmlformats.org/markup-compatibility/2006" xmlns:p14="http://schemas.microsoft.com/office/powerpoint/2010/main">
+    <mc:Choice Requires="p14">
       <p:transition spd="slow" p14:dur="1400">
         <p14:doors dir="vert"/>
       </p:transition>
     </mc:Choice>
-    <mc:Fallback>
+    <mc:Fallback xmlns="">
       <p:transition spd="slow">
         <p:fade/>
       </p:transition>
@@ -2729,10 +2729,9 @@
           </a:lstStyle>
           <a:p>
             <a:r>
-              <a:rPr lang="en-US" smtClean="0"/>
+              <a:rPr lang="en-US"/>
               <a:t>Click to edit Master title style</a:t>
             </a:r>
-            <a:endParaRPr lang="en-US"/>
           </a:p>
         </p:txBody>
       </p:sp>
@@ -2965,7 +2964,7 @@
               </a:lnSpc>
             </a:pPr>
             <a:r>
-              <a:rPr lang="en-US" smtClean="0"/>
+              <a:rPr lang="en-US"/>
               <a:t>Edit Master text styles</a:t>
             </a:r>
           </a:p>
@@ -2976,7 +2975,7 @@
               </a:lnSpc>
             </a:pPr>
             <a:r>
-              <a:rPr lang="en-US" smtClean="0"/>
+              <a:rPr lang="en-US"/>
               <a:t>Second level</a:t>
             </a:r>
           </a:p>
@@ -2987,7 +2986,7 @@
               </a:lnSpc>
             </a:pPr>
             <a:r>
-              <a:rPr lang="en-US" smtClean="0"/>
+              <a:rPr lang="en-US"/>
               <a:t>Third level</a:t>
             </a:r>
           </a:p>
@@ -2998,7 +2997,7 @@
               </a:lnSpc>
             </a:pPr>
             <a:r>
-              <a:rPr lang="en-US" smtClean="0"/>
+              <a:rPr lang="en-US"/>
               <a:t>Fourth level</a:t>
             </a:r>
           </a:p>
@@ -3009,7 +3008,7 @@
               </a:lnSpc>
             </a:pPr>
             <a:r>
-              <a:rPr lang="en-US" smtClean="0"/>
+              <a:rPr lang="en-US"/>
               <a:t>Fifth level</a:t>
             </a:r>
             <a:endParaRPr lang="en-US" dirty="0"/>
@@ -3066,7 +3065,7 @@
               </a:lnSpc>
             </a:pPr>
             <a:r>
-              <a:rPr lang="en-US" smtClean="0"/>
+              <a:rPr lang="en-US"/>
               <a:t>Edit Master text styles</a:t>
             </a:r>
           </a:p>
@@ -3077,7 +3076,7 @@
               </a:lnSpc>
             </a:pPr>
             <a:r>
-              <a:rPr lang="en-US" smtClean="0"/>
+              <a:rPr lang="en-US"/>
               <a:t>Second level</a:t>
             </a:r>
           </a:p>
@@ -3088,7 +3087,7 @@
               </a:lnSpc>
             </a:pPr>
             <a:r>
-              <a:rPr lang="en-US" smtClean="0"/>
+              <a:rPr lang="en-US"/>
               <a:t>Third level</a:t>
             </a:r>
           </a:p>
@@ -3099,7 +3098,7 @@
               </a:lnSpc>
             </a:pPr>
             <a:r>
-              <a:rPr lang="en-US" smtClean="0"/>
+              <a:rPr lang="en-US"/>
               <a:t>Fourth level</a:t>
             </a:r>
           </a:p>
@@ -3110,7 +3109,7 @@
               </a:lnSpc>
             </a:pPr>
             <a:r>
-              <a:rPr lang="en-US" smtClean="0"/>
+              <a:rPr lang="en-US"/>
               <a:t>Fifth level</a:t>
             </a:r>
             <a:endParaRPr lang="en-US" dirty="0"/>
@@ -3127,13 +3126,13 @@
   <p:clrMapOvr>
     <a:masterClrMapping/>
   </p:clrMapOvr>
-  <mc:AlternateContent xmlns:mc="http://schemas.openxmlformats.org/markup-compatibility/2006">
-    <mc:Choice xmlns:p14="http://schemas.microsoft.com/office/powerpoint/2010/main" Requires="p14">
+  <mc:AlternateContent xmlns:mc="http://schemas.openxmlformats.org/markup-compatibility/2006" xmlns:p14="http://schemas.microsoft.com/office/powerpoint/2010/main">
+    <mc:Choice Requires="p14">
       <p:transition spd="slow" p14:dur="1400">
         <p14:doors dir="vert"/>
       </p:transition>
     </mc:Choice>
-    <mc:Fallback>
+    <mc:Fallback xmlns="">
       <p:transition spd="slow">
         <p:fade/>
       </p:transition>
@@ -3232,7 +3231,7 @@
           <a:p>
             <a:pPr lvl="0"/>
             <a:r>
-              <a:rPr lang="en-US" smtClean="0"/>
+              <a:rPr lang="en-US"/>
               <a:t>Edit Master text styles</a:t>
             </a:r>
           </a:p>
@@ -3319,35 +3318,35 @@
           <a:p>
             <a:pPr lvl="0"/>
             <a:r>
-              <a:rPr lang="en-US" smtClean="0"/>
+              <a:rPr lang="en-US"/>
               <a:t>Edit Master text styles</a:t>
             </a:r>
           </a:p>
           <a:p>
             <a:pPr lvl="1"/>
             <a:r>
-              <a:rPr lang="en-US" smtClean="0"/>
+              <a:rPr lang="en-US"/>
               <a:t>Second level</a:t>
             </a:r>
           </a:p>
           <a:p>
             <a:pPr lvl="2"/>
             <a:r>
-              <a:rPr lang="en-US" smtClean="0"/>
+              <a:rPr lang="en-US"/>
               <a:t>Third level</a:t>
             </a:r>
           </a:p>
           <a:p>
             <a:pPr lvl="3"/>
             <a:r>
-              <a:rPr lang="en-US" smtClean="0"/>
+              <a:rPr lang="en-US"/>
               <a:t>Fourth level</a:t>
             </a:r>
           </a:p>
           <a:p>
             <a:pPr lvl="4"/>
             <a:r>
-              <a:rPr lang="en-US" smtClean="0"/>
+              <a:rPr lang="en-US"/>
               <a:t>Fifth level</a:t>
             </a:r>
             <a:endParaRPr lang="en-US" dirty="0"/>
@@ -3439,10 +3438,9 @@
           </a:lstStyle>
           <a:p>
             <a:r>
-              <a:rPr lang="en-US" smtClean="0"/>
+              <a:rPr lang="en-US"/>
               <a:t>Click to edit Master title style</a:t>
             </a:r>
-            <a:endParaRPr lang="en-US"/>
           </a:p>
         </p:txBody>
       </p:sp>
@@ -3665,7 +3663,7 @@
           <a:p>
             <a:pPr marL="228600" lvl="0" indent="-228600" algn="ctr"/>
             <a:r>
-              <a:rPr lang="en-US" smtClean="0"/>
+              <a:rPr lang="en-US"/>
               <a:t>Edit Master text styles</a:t>
             </a:r>
           </a:p>
@@ -3733,7 +3731,7 @@
               <a:buChar char="•"/>
             </a:pPr>
             <a:r>
-              <a:rPr lang="en-US" smtClean="0"/>
+              <a:rPr lang="en-US"/>
               <a:t>Edit Master text styles</a:t>
             </a:r>
           </a:p>
@@ -3749,7 +3747,7 @@
               <a:buChar char="•"/>
             </a:pPr>
             <a:r>
-              <a:rPr lang="en-US" smtClean="0"/>
+              <a:rPr lang="en-US"/>
               <a:t>Second level</a:t>
             </a:r>
           </a:p>
@@ -3765,7 +3763,7 @@
               <a:buChar char="•"/>
             </a:pPr>
             <a:r>
-              <a:rPr lang="en-US" smtClean="0"/>
+              <a:rPr lang="en-US"/>
               <a:t>Third level</a:t>
             </a:r>
           </a:p>
@@ -3781,7 +3779,7 @@
               <a:buChar char="•"/>
             </a:pPr>
             <a:r>
-              <a:rPr lang="en-US" smtClean="0"/>
+              <a:rPr lang="en-US"/>
               <a:t>Fourth level</a:t>
             </a:r>
           </a:p>
@@ -3797,7 +3795,7 @@
               <a:buChar char="•"/>
             </a:pPr>
             <a:r>
-              <a:rPr lang="en-US" smtClean="0"/>
+              <a:rPr lang="en-US"/>
               <a:t>Fifth level</a:t>
             </a:r>
             <a:endParaRPr lang="en-US" dirty="0"/>
@@ -3814,13 +3812,13 @@
   <p:clrMapOvr>
     <a:masterClrMapping/>
   </p:clrMapOvr>
-  <mc:AlternateContent xmlns:mc="http://schemas.openxmlformats.org/markup-compatibility/2006">
-    <mc:Choice xmlns:p14="http://schemas.microsoft.com/office/powerpoint/2010/main" Requires="p14">
+  <mc:AlternateContent xmlns:mc="http://schemas.openxmlformats.org/markup-compatibility/2006" xmlns:p14="http://schemas.microsoft.com/office/powerpoint/2010/main">
+    <mc:Choice Requires="p14">
       <p:transition spd="slow" p14:dur="1400">
         <p14:doors dir="vert"/>
       </p:transition>
     </mc:Choice>
-    <mc:Fallback>
+    <mc:Fallback xmlns="">
       <p:transition spd="slow">
         <p:fade/>
       </p:transition>
@@ -3962,35 +3960,35 @@
           <a:p>
             <a:pPr lvl="0"/>
             <a:r>
-              <a:rPr lang="en-US" smtClean="0"/>
+              <a:rPr lang="en-US"/>
               <a:t>Edit Master text styles</a:t>
             </a:r>
           </a:p>
           <a:p>
             <a:pPr lvl="1"/>
             <a:r>
-              <a:rPr lang="en-US" smtClean="0"/>
+              <a:rPr lang="en-US"/>
               <a:t>Second level</a:t>
             </a:r>
           </a:p>
           <a:p>
             <a:pPr lvl="2"/>
             <a:r>
-              <a:rPr lang="en-US" smtClean="0"/>
+              <a:rPr lang="en-US"/>
               <a:t>Third level</a:t>
             </a:r>
           </a:p>
           <a:p>
             <a:pPr lvl="3"/>
             <a:r>
-              <a:rPr lang="en-US" smtClean="0"/>
+              <a:rPr lang="en-US"/>
               <a:t>Fourth level</a:t>
             </a:r>
           </a:p>
           <a:p>
             <a:pPr lvl="4"/>
             <a:r>
-              <a:rPr lang="en-US" smtClean="0"/>
+              <a:rPr lang="en-US"/>
               <a:t>Fifth level</a:t>
             </a:r>
             <a:endParaRPr lang="en-US" dirty="0"/>
@@ -4384,7 +4382,7 @@
           <a:p>
             <a:pPr lvl="0"/>
             <a:r>
-              <a:rPr lang="en-US" smtClean="0"/>
+              <a:rPr lang="en-US"/>
               <a:t>Edit Master text styles</a:t>
             </a:r>
           </a:p>
@@ -4426,7 +4424,7 @@
           </a:lstStyle>
           <a:p>
             <a:r>
-              <a:rPr lang="en-US" smtClean="0"/>
+              <a:rPr lang="en-US"/>
               <a:t>Click to edit Master title style</a:t>
             </a:r>
             <a:endParaRPr lang="en-US" dirty="0"/>
@@ -4443,13 +4441,13 @@
   <p:clrMapOvr>
     <a:masterClrMapping/>
   </p:clrMapOvr>
-  <mc:AlternateContent xmlns:mc="http://schemas.openxmlformats.org/markup-compatibility/2006">
-    <mc:Choice xmlns:p14="http://schemas.microsoft.com/office/powerpoint/2010/main" Requires="p14">
+  <mc:AlternateContent xmlns:mc="http://schemas.openxmlformats.org/markup-compatibility/2006" xmlns:p14="http://schemas.microsoft.com/office/powerpoint/2010/main">
+    <mc:Choice Requires="p14">
       <p:transition spd="slow" p14:dur="1400">
         <p14:doors dir="vert"/>
       </p:transition>
     </mc:Choice>
-    <mc:Fallback>
+    <mc:Fallback xmlns="">
       <p:transition spd="slow">
         <p:fade/>
       </p:transition>
@@ -4555,10 +4553,9 @@
           <a:lstStyle/>
           <a:p>
             <a:r>
-              <a:rPr lang="en-US" noProof="0" smtClean="0"/>
+              <a:rPr lang="en-US" noProof="0"/>
               <a:t>Click to edit Master title style</a:t>
             </a:r>
-            <a:endParaRPr lang="en-US" noProof="0"/>
           </a:p>
         </p:txBody>
       </p:sp>
@@ -4572,13 +4569,13 @@
   <p:clrMapOvr>
     <a:masterClrMapping/>
   </p:clrMapOvr>
-  <mc:AlternateContent xmlns:mc="http://schemas.openxmlformats.org/markup-compatibility/2006">
-    <mc:Choice xmlns:p14="http://schemas.microsoft.com/office/powerpoint/2010/main" Requires="p14">
+  <mc:AlternateContent xmlns:mc="http://schemas.openxmlformats.org/markup-compatibility/2006" xmlns:p14="http://schemas.microsoft.com/office/powerpoint/2010/main">
+    <mc:Choice Requires="p14">
       <p:transition spd="slow" p14:dur="1400">
         <p14:doors dir="vert"/>
       </p:transition>
     </mc:Choice>
-    <mc:Fallback>
+    <mc:Fallback xmlns="">
       <p:transition spd="slow">
         <p:fade/>
       </p:transition>
@@ -4684,10 +4681,9 @@
           <a:lstStyle/>
           <a:p>
             <a:r>
-              <a:rPr lang="en-US" noProof="0" smtClean="0"/>
+              <a:rPr lang="en-US" noProof="0"/>
               <a:t>Click to edit Master title style</a:t>
             </a:r>
-            <a:endParaRPr lang="en-US" noProof="0"/>
           </a:p>
         </p:txBody>
       </p:sp>
@@ -4701,13 +4697,13 @@
   <p:clrMapOvr>
     <a:masterClrMapping/>
   </p:clrMapOvr>
-  <mc:AlternateContent xmlns:mc="http://schemas.openxmlformats.org/markup-compatibility/2006">
-    <mc:Choice xmlns:p14="http://schemas.microsoft.com/office/powerpoint/2010/main" Requires="p14">
+  <mc:AlternateContent xmlns:mc="http://schemas.openxmlformats.org/markup-compatibility/2006" xmlns:p14="http://schemas.microsoft.com/office/powerpoint/2010/main">
+    <mc:Choice Requires="p14">
       <p:transition spd="slow" p14:dur="1400">
         <p14:doors dir="vert"/>
       </p:transition>
     </mc:Choice>
-    <mc:Fallback>
+    <mc:Fallback xmlns="">
       <p:transition spd="slow">
         <p:fade/>
       </p:transition>
@@ -4801,13 +4797,13 @@
   <p:clrMapOvr>
     <a:masterClrMapping/>
   </p:clrMapOvr>
-  <mc:AlternateContent xmlns:mc="http://schemas.openxmlformats.org/markup-compatibility/2006">
-    <mc:Choice xmlns:p14="http://schemas.microsoft.com/office/powerpoint/2010/main" Requires="p14">
+  <mc:AlternateContent xmlns:mc="http://schemas.openxmlformats.org/markup-compatibility/2006" xmlns:p14="http://schemas.microsoft.com/office/powerpoint/2010/main">
+    <mc:Choice Requires="p14">
       <p:transition spd="slow" p14:dur="1400">
         <p14:doors dir="vert"/>
       </p:transition>
     </mc:Choice>
-    <mc:Fallback>
+    <mc:Fallback xmlns="">
       <p:transition spd="slow">
         <p:fade/>
       </p:transition>
@@ -4865,7 +4861,7 @@
           <a:lstStyle/>
           <a:p>
             <a:r>
-              <a:rPr lang="en-US" smtClean="0"/>
+              <a:rPr lang="en-US"/>
               <a:t>Click icon to add picture</a:t>
             </a:r>
             <a:endParaRPr lang="en-US" dirty="0"/>
@@ -4910,7 +4906,7 @@
           </a:lstStyle>
           <a:p>
             <a:r>
-              <a:rPr lang="en-US" smtClean="0"/>
+              <a:rPr lang="en-US"/>
               <a:t>Click to edit Master title style</a:t>
             </a:r>
             <a:endParaRPr lang="en-US" dirty="0"/>
@@ -4945,35 +4941,35 @@
           <a:p>
             <a:pPr lvl="0"/>
             <a:r>
-              <a:rPr lang="en-US" smtClean="0"/>
+              <a:rPr lang="en-US"/>
               <a:t>Edit Master text styles</a:t>
             </a:r>
           </a:p>
           <a:p>
             <a:pPr lvl="1"/>
             <a:r>
-              <a:rPr lang="en-US" smtClean="0"/>
+              <a:rPr lang="en-US"/>
               <a:t>Second level</a:t>
             </a:r>
           </a:p>
           <a:p>
             <a:pPr lvl="2"/>
             <a:r>
-              <a:rPr lang="en-US" smtClean="0"/>
+              <a:rPr lang="en-US"/>
               <a:t>Third level</a:t>
             </a:r>
           </a:p>
           <a:p>
             <a:pPr lvl="3"/>
             <a:r>
-              <a:rPr lang="en-US" smtClean="0"/>
+              <a:rPr lang="en-US"/>
               <a:t>Fourth level</a:t>
             </a:r>
           </a:p>
           <a:p>
             <a:pPr lvl="4"/>
             <a:r>
-              <a:rPr lang="en-US" smtClean="0"/>
+              <a:rPr lang="en-US"/>
               <a:t>Fifth level</a:t>
             </a:r>
             <a:endParaRPr lang="en-US" dirty="0"/>
@@ -4998,7 +4994,7 @@
           <a:blip r:embed="rId2">
             <a:extLst>
               <a:ext uri="{96DAC541-7B7A-43D3-8B79-37D633B846F1}">
-                <asvg:svgBlip xmlns:asvg="http://schemas.microsoft.com/office/drawing/2016/SVG/main" xmlns="" r:embed="rId3"/>
+                <asvg:svgBlip xmlns:asvg="http://schemas.microsoft.com/office/drawing/2016/SVG/main" r:embed="rId3"/>
               </a:ext>
             </a:extLst>
           </a:blip>
@@ -5084,19 +5080,19 @@
   <p:clrMapOvr>
     <a:masterClrMapping/>
   </p:clrMapOvr>
-  <mc:AlternateContent xmlns:mc="http://schemas.openxmlformats.org/markup-compatibility/2006">
-    <mc:Choice xmlns:p14="http://schemas.microsoft.com/office/powerpoint/2010/main" Requires="p14">
+  <mc:AlternateContent xmlns:mc="http://schemas.openxmlformats.org/markup-compatibility/2006" xmlns:p14="http://schemas.microsoft.com/office/powerpoint/2010/main">
+    <mc:Choice Requires="p14">
       <p:transition spd="slow" p14:dur="1400">
         <p14:doors dir="vert"/>
       </p:transition>
     </mc:Choice>
-    <mc:Fallback>
+    <mc:Fallback xmlns="">
       <p:transition spd="slow">
         <p:fade/>
       </p:transition>
     </mc:Fallback>
   </mc:AlternateContent>
-  <p:extLst mod="1">
+  <p:extLst>
     <p:ext uri="{DCECCB84-F9BA-43D5-87BE-67443E8EF086}">
       <p15:sldGuideLst xmlns:p15="http://schemas.microsoft.com/office/powerpoint/2012/main">
         <p15:guide id="1" orient="horz" pos="2160" userDrawn="1">
@@ -5164,7 +5160,7 @@
           <a:lstStyle/>
           <a:p>
             <a:r>
-              <a:rPr lang="en-US" smtClean="0"/>
+              <a:rPr lang="en-US"/>
               <a:t>Click icon to add picture</a:t>
             </a:r>
             <a:endParaRPr lang="en-US" dirty="0"/>
@@ -5818,7 +5814,7 @@
             <a:blip r:embed="rId2">
               <a:extLst>
                 <a:ext uri="{96DAC541-7B7A-43D3-8B79-37D633B846F1}">
-                  <asvg:svgBlip xmlns:asvg="http://schemas.microsoft.com/office/drawing/2016/SVG/main" xmlns="" r:embed="rId3"/>
+                  <asvg:svgBlip xmlns:asvg="http://schemas.microsoft.com/office/drawing/2016/SVG/main" r:embed="rId3"/>
                 </a:ext>
               </a:extLst>
             </a:blip>
@@ -6467,7 +6463,7 @@
           </a:lstStyle>
           <a:p>
             <a:r>
-              <a:rPr lang="en-US" smtClean="0"/>
+              <a:rPr lang="en-US"/>
               <a:t>Click to edit Master title style</a:t>
             </a:r>
             <a:endParaRPr lang="en-US" dirty="0"/>
@@ -6668,19 +6664,19 @@
   <p:clrMapOvr>
     <a:masterClrMapping/>
   </p:clrMapOvr>
-  <mc:AlternateContent xmlns:mc="http://schemas.openxmlformats.org/markup-compatibility/2006">
-    <mc:Choice xmlns:p14="http://schemas.microsoft.com/office/powerpoint/2010/main" Requires="p14">
+  <mc:AlternateContent xmlns:mc="http://schemas.openxmlformats.org/markup-compatibility/2006" xmlns:p14="http://schemas.microsoft.com/office/powerpoint/2010/main">
+    <mc:Choice Requires="p14">
       <p:transition spd="slow" p14:dur="1400">
         <p14:doors dir="vert"/>
       </p:transition>
     </mc:Choice>
-    <mc:Fallback>
+    <mc:Fallback xmlns="">
       <p:transition spd="slow">
         <p:fade/>
       </p:transition>
     </mc:Fallback>
   </mc:AlternateContent>
-  <p:extLst mod="1">
+  <p:extLst>
     <p:ext uri="{DCECCB84-F9BA-43D5-87BE-67443E8EF086}">
       <p15:sldGuideLst xmlns:p15="http://schemas.microsoft.com/office/powerpoint/2012/main">
         <p15:guide id="1" orient="horz" pos="2160">
@@ -6748,7 +6744,7 @@
           <a:lstStyle/>
           <a:p>
             <a:r>
-              <a:rPr lang="en-US" smtClean="0"/>
+              <a:rPr lang="en-US"/>
               <a:t>Click icon to add picture</a:t>
             </a:r>
             <a:endParaRPr lang="en-US" dirty="0"/>
@@ -6866,7 +6862,7 @@
             <a:blip r:embed="rId2">
               <a:extLst>
                 <a:ext uri="{96DAC541-7B7A-43D3-8B79-37D633B846F1}">
-                  <asvg:svgBlip xmlns:asvg="http://schemas.microsoft.com/office/drawing/2016/SVG/main" xmlns="" r:embed="rId3"/>
+                  <asvg:svgBlip xmlns:asvg="http://schemas.microsoft.com/office/drawing/2016/SVG/main" r:embed="rId3"/>
                 </a:ext>
               </a:extLst>
             </a:blip>
@@ -6979,7 +6975,7 @@
           </a:lstStyle>
           <a:p>
             <a:r>
-              <a:rPr lang="en-US" smtClean="0"/>
+              <a:rPr lang="en-US"/>
               <a:t>Click to edit Master title style</a:t>
             </a:r>
             <a:endParaRPr lang="en-US" dirty="0"/>
@@ -7180,13 +7176,13 @@
   <p:clrMapOvr>
     <a:masterClrMapping/>
   </p:clrMapOvr>
-  <mc:AlternateContent xmlns:mc="http://schemas.openxmlformats.org/markup-compatibility/2006">
-    <mc:Choice xmlns:p14="http://schemas.microsoft.com/office/powerpoint/2010/main" Requires="p14">
+  <mc:AlternateContent xmlns:mc="http://schemas.openxmlformats.org/markup-compatibility/2006" xmlns:p14="http://schemas.microsoft.com/office/powerpoint/2010/main">
+    <mc:Choice Requires="p14">
       <p:transition spd="slow" p14:dur="1400">
         <p14:doors dir="vert"/>
       </p:transition>
     </mc:Choice>
-    <mc:Fallback>
+    <mc:Fallback xmlns="">
       <p:transition spd="slow">
         <p:fade/>
       </p:transition>
@@ -7354,7 +7350,7 @@
           <a:p>
             <a:pPr lvl="0"/>
             <a:r>
-              <a:rPr lang="en-US" smtClean="0"/>
+              <a:rPr lang="en-US"/>
               <a:t>Edit Master text styles</a:t>
             </a:r>
           </a:p>
@@ -7441,35 +7437,35 @@
           <a:p>
             <a:pPr lvl="0"/>
             <a:r>
-              <a:rPr lang="en-US" smtClean="0"/>
+              <a:rPr lang="en-US"/>
               <a:t>Edit Master text styles</a:t>
             </a:r>
           </a:p>
           <a:p>
             <a:pPr lvl="1"/>
             <a:r>
-              <a:rPr lang="en-US" smtClean="0"/>
+              <a:rPr lang="en-US"/>
               <a:t>Second level</a:t>
             </a:r>
           </a:p>
           <a:p>
             <a:pPr lvl="2"/>
             <a:r>
-              <a:rPr lang="en-US" smtClean="0"/>
+              <a:rPr lang="en-US"/>
               <a:t>Third level</a:t>
             </a:r>
           </a:p>
           <a:p>
             <a:pPr lvl="3"/>
             <a:r>
-              <a:rPr lang="en-US" smtClean="0"/>
+              <a:rPr lang="en-US"/>
               <a:t>Fourth level</a:t>
             </a:r>
           </a:p>
           <a:p>
             <a:pPr lvl="4"/>
             <a:r>
-              <a:rPr lang="en-US" smtClean="0"/>
+              <a:rPr lang="en-US"/>
               <a:t>Fifth level</a:t>
             </a:r>
             <a:endParaRPr lang="en-US" dirty="0"/>
@@ -7549,7 +7545,7 @@
           <a:p>
             <a:pPr lvl="0"/>
             <a:r>
-              <a:rPr lang="en-US" smtClean="0"/>
+              <a:rPr lang="en-US"/>
               <a:t>Edit Master text styles</a:t>
             </a:r>
           </a:p>
@@ -7636,35 +7632,35 @@
           <a:p>
             <a:pPr lvl="0"/>
             <a:r>
-              <a:rPr lang="en-US" smtClean="0"/>
+              <a:rPr lang="en-US"/>
               <a:t>Edit Master text styles</a:t>
             </a:r>
           </a:p>
           <a:p>
             <a:pPr lvl="1"/>
             <a:r>
-              <a:rPr lang="en-US" smtClean="0"/>
+              <a:rPr lang="en-US"/>
               <a:t>Second level</a:t>
             </a:r>
           </a:p>
           <a:p>
             <a:pPr lvl="2"/>
             <a:r>
-              <a:rPr lang="en-US" smtClean="0"/>
+              <a:rPr lang="en-US"/>
               <a:t>Third level</a:t>
             </a:r>
           </a:p>
           <a:p>
             <a:pPr lvl="3"/>
             <a:r>
-              <a:rPr lang="en-US" smtClean="0"/>
+              <a:rPr lang="en-US"/>
               <a:t>Fourth level</a:t>
             </a:r>
           </a:p>
           <a:p>
             <a:pPr lvl="4"/>
             <a:r>
-              <a:rPr lang="en-US" smtClean="0"/>
+              <a:rPr lang="en-US"/>
               <a:t>Fifth level</a:t>
             </a:r>
             <a:endParaRPr lang="en-US" dirty="0"/>
@@ -7753,7 +7749,7 @@
           <a:lstStyle/>
           <a:p>
             <a:r>
-              <a:rPr lang="en-US" smtClean="0"/>
+              <a:rPr lang="en-US"/>
               <a:t>Click icon to add picture</a:t>
             </a:r>
             <a:endParaRPr lang="en-US" dirty="0"/>
@@ -7793,10 +7789,9 @@
           </a:lstStyle>
           <a:p>
             <a:r>
-              <a:rPr lang="en-US" smtClean="0"/>
+              <a:rPr lang="en-US"/>
               <a:t>Click to edit Master title style</a:t>
             </a:r>
-            <a:endParaRPr lang="en-US"/>
           </a:p>
         </p:txBody>
       </p:sp>
@@ -7868,13 +7863,13 @@
   <p:clrMapOvr>
     <a:masterClrMapping/>
   </p:clrMapOvr>
-  <mc:AlternateContent xmlns:mc="http://schemas.openxmlformats.org/markup-compatibility/2006">
-    <mc:Choice xmlns:p14="http://schemas.microsoft.com/office/powerpoint/2010/main" Requires="p14">
+  <mc:AlternateContent xmlns:mc="http://schemas.openxmlformats.org/markup-compatibility/2006" xmlns:p14="http://schemas.microsoft.com/office/powerpoint/2010/main">
+    <mc:Choice Requires="p14">
       <p:transition spd="slow" p14:dur="1400">
         <p14:doors dir="vert"/>
       </p:transition>
     </mc:Choice>
-    <mc:Fallback>
+    <mc:Fallback xmlns="">
       <p:transition spd="slow">
         <p:fade/>
       </p:transition>
@@ -8073,7 +8068,7 @@
           </a:lstStyle>
           <a:p>
             <a:r>
-              <a:rPr lang="en-US" smtClean="0"/>
+              <a:rPr lang="en-US"/>
               <a:t>Click icon to add picture</a:t>
             </a:r>
             <a:endParaRPr lang="en-US" dirty="0"/>
@@ -8301,7 +8296,7 @@
           <a:p>
             <a:pPr lvl="0"/>
             <a:r>
-              <a:rPr lang="en-US" smtClean="0"/>
+              <a:rPr lang="en-US"/>
               <a:t>Edit Master text styles</a:t>
             </a:r>
           </a:p>
@@ -8343,7 +8338,7 @@
           </a:lstStyle>
           <a:p>
             <a:r>
-              <a:rPr lang="en-US" smtClean="0"/>
+              <a:rPr lang="en-US"/>
               <a:t>Click to edit Master title style</a:t>
             </a:r>
             <a:endParaRPr lang="en-US" dirty="0"/>
@@ -8390,13 +8385,13 @@
   <p:clrMapOvr>
     <a:masterClrMapping/>
   </p:clrMapOvr>
-  <mc:AlternateContent xmlns:mc="http://schemas.openxmlformats.org/markup-compatibility/2006">
-    <mc:Choice xmlns:p14="http://schemas.microsoft.com/office/powerpoint/2010/main" Requires="p14">
+  <mc:AlternateContent xmlns:mc="http://schemas.openxmlformats.org/markup-compatibility/2006" xmlns:p14="http://schemas.microsoft.com/office/powerpoint/2010/main">
+    <mc:Choice Requires="p14">
       <p:transition spd="slow" p14:dur="1400">
         <p14:doors dir="vert"/>
       </p:transition>
     </mc:Choice>
-    <mc:Fallback>
+    <mc:Fallback xmlns="">
       <p:transition spd="slow">
         <p:fade/>
       </p:transition>
@@ -8454,7 +8449,7 @@
           <a:lstStyle/>
           <a:p>
             <a:r>
-              <a:rPr lang="en-US" smtClean="0"/>
+              <a:rPr lang="en-US"/>
               <a:t>Click icon to add picture</a:t>
             </a:r>
             <a:endParaRPr lang="en-US" dirty="0"/>
@@ -8780,35 +8775,35 @@
           <a:p>
             <a:pPr lvl="0"/>
             <a:r>
-              <a:rPr lang="en-US" smtClean="0"/>
+              <a:rPr lang="en-US"/>
               <a:t>Edit Master text styles</a:t>
             </a:r>
           </a:p>
           <a:p>
             <a:pPr lvl="1"/>
             <a:r>
-              <a:rPr lang="en-US" smtClean="0"/>
+              <a:rPr lang="en-US"/>
               <a:t>Second level</a:t>
             </a:r>
           </a:p>
           <a:p>
             <a:pPr lvl="2"/>
             <a:r>
-              <a:rPr lang="en-US" smtClean="0"/>
+              <a:rPr lang="en-US"/>
               <a:t>Third level</a:t>
             </a:r>
           </a:p>
           <a:p>
             <a:pPr lvl="3"/>
             <a:r>
-              <a:rPr lang="en-US" smtClean="0"/>
+              <a:rPr lang="en-US"/>
               <a:t>Fourth level</a:t>
             </a:r>
           </a:p>
           <a:p>
             <a:pPr lvl="4"/>
             <a:r>
-              <a:rPr lang="en-US" smtClean="0"/>
+              <a:rPr lang="en-US"/>
               <a:t>Fifth level</a:t>
             </a:r>
             <a:endParaRPr lang="en-US" dirty="0"/>
@@ -9009,19 +9004,19 @@
   <p:clrMapOvr>
     <a:masterClrMapping/>
   </p:clrMapOvr>
-  <mc:AlternateContent xmlns:mc="http://schemas.openxmlformats.org/markup-compatibility/2006">
-    <mc:Choice xmlns:p14="http://schemas.microsoft.com/office/powerpoint/2010/main" Requires="p14">
+  <mc:AlternateContent xmlns:mc="http://schemas.openxmlformats.org/markup-compatibility/2006" xmlns:p14="http://schemas.microsoft.com/office/powerpoint/2010/main">
+    <mc:Choice Requires="p14">
       <p:transition spd="slow" p14:dur="1400">
         <p14:doors dir="vert"/>
       </p:transition>
     </mc:Choice>
-    <mc:Fallback>
+    <mc:Fallback xmlns="">
       <p:transition spd="slow">
         <p:fade/>
       </p:transition>
     </mc:Fallback>
   </mc:AlternateContent>
-  <p:extLst mod="1">
+  <p:extLst>
     <p:ext uri="{DCECCB84-F9BA-43D5-87BE-67443E8EF086}">
       <p15:sldGuideLst xmlns:p15="http://schemas.microsoft.com/office/powerpoint/2012/main">
         <p15:guide id="1" orient="horz" pos="2160">
@@ -9085,35 +9080,35 @@
           <a:p>
             <a:pPr lvl="0"/>
             <a:r>
-              <a:rPr lang="en-US" smtClean="0"/>
+              <a:rPr lang="en-US"/>
               <a:t>Edit Master text styles</a:t>
             </a:r>
           </a:p>
           <a:p>
             <a:pPr lvl="1"/>
             <a:r>
-              <a:rPr lang="en-US" smtClean="0"/>
+              <a:rPr lang="en-US"/>
               <a:t>Second level</a:t>
             </a:r>
           </a:p>
           <a:p>
             <a:pPr lvl="2"/>
             <a:r>
-              <a:rPr lang="en-US" smtClean="0"/>
+              <a:rPr lang="en-US"/>
               <a:t>Third level</a:t>
             </a:r>
           </a:p>
           <a:p>
             <a:pPr lvl="3"/>
             <a:r>
-              <a:rPr lang="en-US" smtClean="0"/>
+              <a:rPr lang="en-US"/>
               <a:t>Fourth level</a:t>
             </a:r>
           </a:p>
           <a:p>
             <a:pPr lvl="4"/>
             <a:r>
-              <a:rPr lang="en-US" smtClean="0"/>
+              <a:rPr lang="en-US"/>
               <a:t>Fifth level</a:t>
             </a:r>
             <a:endParaRPr lang="en-US" dirty="0"/>
@@ -9439,35 +9434,35 @@
           <a:p>
             <a:pPr lvl="0"/>
             <a:r>
-              <a:rPr lang="en-US" smtClean="0"/>
+              <a:rPr lang="en-US"/>
               <a:t>Edit Master text styles</a:t>
             </a:r>
           </a:p>
           <a:p>
             <a:pPr lvl="1"/>
             <a:r>
-              <a:rPr lang="en-US" smtClean="0"/>
+              <a:rPr lang="en-US"/>
               <a:t>Second level</a:t>
             </a:r>
           </a:p>
           <a:p>
             <a:pPr lvl="2"/>
             <a:r>
-              <a:rPr lang="en-US" smtClean="0"/>
+              <a:rPr lang="en-US"/>
               <a:t>Third level</a:t>
             </a:r>
           </a:p>
           <a:p>
             <a:pPr lvl="3"/>
             <a:r>
-              <a:rPr lang="en-US" smtClean="0"/>
+              <a:rPr lang="en-US"/>
               <a:t>Fourth level</a:t>
             </a:r>
           </a:p>
           <a:p>
             <a:pPr lvl="4"/>
             <a:r>
-              <a:rPr lang="en-US" smtClean="0"/>
+              <a:rPr lang="en-US"/>
               <a:t>Fifth level</a:t>
             </a:r>
             <a:endParaRPr lang="en-US" dirty="0"/>
@@ -9668,19 +9663,19 @@
   <p:clrMapOvr>
     <a:masterClrMapping/>
   </p:clrMapOvr>
-  <mc:AlternateContent xmlns:mc="http://schemas.openxmlformats.org/markup-compatibility/2006">
-    <mc:Choice xmlns:p14="http://schemas.microsoft.com/office/powerpoint/2010/main" Requires="p14">
+  <mc:AlternateContent xmlns:mc="http://schemas.openxmlformats.org/markup-compatibility/2006" xmlns:p14="http://schemas.microsoft.com/office/powerpoint/2010/main">
+    <mc:Choice Requires="p14">
       <p:transition spd="slow" p14:dur="1400">
         <p14:doors dir="vert"/>
       </p:transition>
     </mc:Choice>
-    <mc:Fallback>
+    <mc:Fallback xmlns="">
       <p:transition spd="slow">
         <p:fade/>
       </p:transition>
     </mc:Fallback>
   </mc:AlternateContent>
-  <p:extLst mod="1">
+  <p:extLst>
     <p:ext uri="{DCECCB84-F9BA-43D5-87BE-67443E8EF086}">
       <p15:sldGuideLst xmlns:p15="http://schemas.microsoft.com/office/powerpoint/2012/main">
         <p15:guide id="1" orient="horz" pos="2160">
@@ -10030,7 +10025,7 @@
           </a:lstStyle>
           <a:p>
             <a:r>
-              <a:rPr lang="en-US" smtClean="0"/>
+              <a:rPr lang="en-US"/>
               <a:t>Click to edit Master subtitle style</a:t>
             </a:r>
             <a:endParaRPr lang="en-US" dirty="0"/>
@@ -10047,13 +10042,13 @@
   <p:clrMapOvr>
     <a:masterClrMapping/>
   </p:clrMapOvr>
-  <mc:AlternateContent xmlns:mc="http://schemas.openxmlformats.org/markup-compatibility/2006">
-    <mc:Choice xmlns:p14="http://schemas.microsoft.com/office/powerpoint/2010/main" Requires="p14">
+  <mc:AlternateContent xmlns:mc="http://schemas.openxmlformats.org/markup-compatibility/2006" xmlns:p14="http://schemas.microsoft.com/office/powerpoint/2010/main">
+    <mc:Choice Requires="p14">
       <p:transition spd="slow" p14:dur="1400">
         <p14:doors dir="vert"/>
       </p:transition>
     </mc:Choice>
-    <mc:Fallback>
+    <mc:Fallback xmlns="">
       <p:transition spd="slow">
         <p:fade/>
       </p:transition>
@@ -10119,7 +10114,7 @@
           <a:lstStyle/>
           <a:p>
             <a:r>
-              <a:rPr lang="en-US" smtClean="0"/>
+              <a:rPr lang="en-US"/>
               <a:t>Click to edit Master title style</a:t>
             </a:r>
             <a:endParaRPr lang="en-US" dirty="0"/>
@@ -10159,35 +10154,35 @@
           <a:p>
             <a:pPr lvl="0"/>
             <a:r>
-              <a:rPr lang="en-US" smtClean="0"/>
+              <a:rPr lang="en-US"/>
               <a:t>Edit Master text styles</a:t>
             </a:r>
           </a:p>
           <a:p>
             <a:pPr lvl="1"/>
             <a:r>
-              <a:rPr lang="en-US" smtClean="0"/>
+              <a:rPr lang="en-US"/>
               <a:t>Second level</a:t>
             </a:r>
           </a:p>
           <a:p>
             <a:pPr lvl="2"/>
             <a:r>
-              <a:rPr lang="en-US" smtClean="0"/>
+              <a:rPr lang="en-US"/>
               <a:t>Third level</a:t>
             </a:r>
           </a:p>
           <a:p>
             <a:pPr lvl="3"/>
             <a:r>
-              <a:rPr lang="en-US" smtClean="0"/>
+              <a:rPr lang="en-US"/>
               <a:t>Fourth level</a:t>
             </a:r>
           </a:p>
           <a:p>
             <a:pPr lvl="4"/>
             <a:r>
-              <a:rPr lang="en-US" smtClean="0"/>
+              <a:rPr lang="en-US"/>
               <a:t>Fifth level</a:t>
             </a:r>
             <a:endParaRPr lang="en-US" dirty="0"/>
@@ -10383,13 +10378,13 @@
     <p:sldLayoutId id="2147483671" r:id="rId15"/>
     <p:sldLayoutId id="2147483655" r:id="rId16"/>
   </p:sldLayoutIdLst>
-  <mc:AlternateContent xmlns:mc="http://schemas.openxmlformats.org/markup-compatibility/2006">
-    <mc:Choice xmlns:p14="http://schemas.microsoft.com/office/powerpoint/2010/main" Requires="p14">
+  <mc:AlternateContent xmlns:mc="http://schemas.openxmlformats.org/markup-compatibility/2006" xmlns:p14="http://schemas.microsoft.com/office/powerpoint/2010/main">
+    <mc:Choice Requires="p14">
       <p:transition spd="slow" p14:dur="1400">
         <p14:doors dir="vert"/>
       </p:transition>
     </mc:Choice>
-    <mc:Fallback>
+    <mc:Fallback xmlns="">
       <p:transition spd="slow">
         <p:fade/>
       </p:transition>
@@ -10676,7 +10671,7 @@
       </a:lvl9pPr>
     </p:otherStyle>
   </p:txStyles>
-  <p:extLst mod="1">
+  <p:extLst>
     <p:ext uri="{27BBF7A9-308A-43DC-89C8-2F10F3537804}">
       <p15:sldGuideLst xmlns:p15="http://schemas.microsoft.com/office/powerpoint/2012/main">
         <p15:guide id="1" pos="384" userDrawn="1">
@@ -10759,7 +10754,7 @@
                 <a16:creationId xmlns:a16="http://schemas.microsoft.com/office/drawing/2014/main" id="{B6C8E487-ADDC-4F1B-A30A-BAABB4998F49}"/>
               </a:ext>
               <a:ext uri="{C183D7F6-B498-43B3-948B-1728B52AA6E4}">
-                <adec:decorative xmlns:adec="http://schemas.microsoft.com/office/drawing/2017/decorative" xmlns="" val="1"/>
+                <adec:decorative xmlns:adec="http://schemas.microsoft.com/office/drawing/2017/decorative" val="1"/>
               </a:ext>
             </a:extLst>
           </p:cNvPr>
@@ -10816,7 +10811,7 @@
                 <a16:creationId xmlns:a16="http://schemas.microsoft.com/office/drawing/2014/main" id="{11BEC607-8474-408E-A7AC-48A065F31B63}"/>
               </a:ext>
               <a:ext uri="{C183D7F6-B498-43B3-948B-1728B52AA6E4}">
-                <adec:decorative xmlns:adec="http://schemas.microsoft.com/office/drawing/2017/decorative" xmlns="" val="1"/>
+                <adec:decorative xmlns:adec="http://schemas.microsoft.com/office/drawing/2017/decorative" val="1"/>
               </a:ext>
             </a:extLst>
           </p:cNvPr>
@@ -10839,7 +10834,7 @@
                   <a16:creationId xmlns:a16="http://schemas.microsoft.com/office/drawing/2014/main" id="{B601E3FC-2016-4085-9A4B-A172702EAAE1}"/>
                 </a:ext>
                 <a:ext uri="{C183D7F6-B498-43B3-948B-1728B52AA6E4}">
-                  <adec:decorative xmlns:adec="http://schemas.microsoft.com/office/drawing/2017/decorative" xmlns="" val="1"/>
+                  <adec:decorative xmlns:adec="http://schemas.microsoft.com/office/drawing/2017/decorative" val="1"/>
                 </a:ext>
               </a:extLst>
             </p:cNvPr>
@@ -10911,7 +10906,7 @@
                   <a16:creationId xmlns:a16="http://schemas.microsoft.com/office/drawing/2014/main" id="{2CBF662F-A198-4AD3-8EBC-0EC9A52B2994}"/>
                 </a:ext>
                 <a:ext uri="{C183D7F6-B498-43B3-948B-1728B52AA6E4}">
-                  <adec:decorative xmlns:adec="http://schemas.microsoft.com/office/drawing/2017/decorative" xmlns="" val="1"/>
+                  <adec:decorative xmlns:adec="http://schemas.microsoft.com/office/drawing/2017/decorative" val="1"/>
                 </a:ext>
               </a:extLst>
             </p:cNvPr>
@@ -10966,7 +10961,7 @@
                   <a16:creationId xmlns:a16="http://schemas.microsoft.com/office/drawing/2014/main" id="{142E86C5-8E5F-4620-A4FB-D1F926179D18}"/>
                 </a:ext>
                 <a:ext uri="{C183D7F6-B498-43B3-948B-1728B52AA6E4}">
-                  <adec:decorative xmlns:adec="http://schemas.microsoft.com/office/drawing/2017/decorative" xmlns="" val="1"/>
+                  <adec:decorative xmlns:adec="http://schemas.microsoft.com/office/drawing/2017/decorative" val="1"/>
                 </a:ext>
               </a:extLst>
             </p:cNvPr>
@@ -11036,10 +11031,9 @@
           <a:lstStyle/>
           <a:p>
             <a:r>
-              <a:rPr lang="en-US" dirty="0" smtClean="0"/>
+              <a:rPr lang="en-US" dirty="0"/>
               <a:t> Game World </a:t>
             </a:r>
-            <a:endParaRPr lang="en-US" dirty="0"/>
           </a:p>
         </p:txBody>
       </p:sp>
@@ -11065,10 +11059,9 @@
           <a:lstStyle/>
           <a:p>
             <a:r>
-              <a:rPr lang="en-US" dirty="0" smtClean="0"/>
+              <a:rPr lang="en-US" dirty="0"/>
               <a:t>Spring 2020 Capstone Project</a:t>
             </a:r>
-            <a:endParaRPr lang="en-US" dirty="0"/>
           </a:p>
         </p:txBody>
       </p:sp>
@@ -11082,25 +11075,18 @@
   <p:clrMapOvr>
     <a:masterClrMapping/>
   </p:clrMapOvr>
-  <mc:AlternateContent xmlns:mc="http://schemas.openxmlformats.org/markup-compatibility/2006">
-    <mc:Choice xmlns:p14="http://schemas.microsoft.com/office/powerpoint/2010/main" Requires="p14">
+  <mc:AlternateContent xmlns:mc="http://schemas.openxmlformats.org/markup-compatibility/2006" xmlns:p14="http://schemas.microsoft.com/office/powerpoint/2010/main">
+    <mc:Choice Requires="p14">
       <p:transition spd="slow" p14:dur="1400">
         <p14:doors dir="vert"/>
       </p:transition>
     </mc:Choice>
-    <mc:Fallback>
+    <mc:Fallback xmlns="">
       <p:transition spd="slow">
         <p:fade/>
       </p:transition>
     </mc:Fallback>
   </mc:AlternateContent>
-  <p:timing>
-    <p:tnLst>
-      <p:par>
-        <p:cTn id="1" dur="indefinite" restart="never" nodeType="tmRoot"/>
-      </p:par>
-    </p:tnLst>
-  </p:timing>
 </p:sld>
 </file>
 
@@ -11174,7 +11160,7 @@
                 <a16:creationId xmlns:a16="http://schemas.microsoft.com/office/drawing/2014/main" id="{1101DF86-6B00-49D3-9EFB-456055F79899}"/>
               </a:ext>
               <a:ext uri="{C183D7F6-B498-43B3-948B-1728B52AA6E4}">
-                <adec:decorative xmlns:adec="http://schemas.microsoft.com/office/drawing/2017/decorative" xmlns="" val="1"/>
+                <adec:decorative xmlns:adec="http://schemas.microsoft.com/office/drawing/2017/decorative" val="1"/>
               </a:ext>
             </a:extLst>
           </p:cNvPr>
@@ -11197,7 +11183,7 @@
                   <a16:creationId xmlns:a16="http://schemas.microsoft.com/office/drawing/2014/main" id="{551A06BE-4DC9-42C3-9272-4EF3E833D5F5}"/>
                 </a:ext>
                 <a:ext uri="{C183D7F6-B498-43B3-948B-1728B52AA6E4}">
-                  <adec:decorative xmlns:adec="http://schemas.microsoft.com/office/drawing/2017/decorative" xmlns="" val="1"/>
+                  <adec:decorative xmlns:adec="http://schemas.microsoft.com/office/drawing/2017/decorative" val="1"/>
                 </a:ext>
               </a:extLst>
             </p:cNvPr>
@@ -11269,7 +11255,7 @@
                   <a16:creationId xmlns:a16="http://schemas.microsoft.com/office/drawing/2014/main" id="{42A4A83C-0C6B-4A7C-B582-33988B027F16}"/>
                 </a:ext>
                 <a:ext uri="{C183D7F6-B498-43B3-948B-1728B52AA6E4}">
-                  <adec:decorative xmlns:adec="http://schemas.microsoft.com/office/drawing/2017/decorative" xmlns="" val="1"/>
+                  <adec:decorative xmlns:adec="http://schemas.microsoft.com/office/drawing/2017/decorative" val="1"/>
                 </a:ext>
               </a:extLst>
             </p:cNvPr>
@@ -11282,7 +11268,7 @@
             <a:blip r:embed="rId5">
               <a:extLst>
                 <a:ext uri="{96DAC541-7B7A-43D3-8B79-37D633B846F1}">
-                  <asvg:svgBlip xmlns:asvg="http://schemas.microsoft.com/office/drawing/2016/SVG/main" xmlns="" r:embed="rId6"/>
+                  <asvg:svgBlip xmlns:asvg="http://schemas.microsoft.com/office/drawing/2016/SVG/main" r:embed="rId6"/>
                 </a:ext>
               </a:extLst>
             </a:blip>
@@ -11308,7 +11294,7 @@
                   <a16:creationId xmlns:a16="http://schemas.microsoft.com/office/drawing/2014/main" id="{6568F216-4DE5-421A-A222-041B654BB87E}"/>
                 </a:ext>
                 <a:ext uri="{C183D7F6-B498-43B3-948B-1728B52AA6E4}">
-                  <adec:decorative xmlns:adec="http://schemas.microsoft.com/office/drawing/2017/decorative" xmlns="" val="1"/>
+                  <adec:decorative xmlns:adec="http://schemas.microsoft.com/office/drawing/2017/decorative" val="1"/>
                 </a:ext>
               </a:extLst>
             </p:cNvPr>
@@ -11389,7 +11375,7 @@
           <a:lstStyle/>
           <a:p>
             <a:r>
-              <a:rPr lang="en-US" dirty="0" smtClean="0"/>
+              <a:rPr lang="en-US" dirty="0"/>
               <a:t>Approach</a:t>
             </a:r>
             <a:endParaRPr lang="en-US" dirty="0">
@@ -11610,10 +11596,9 @@
           <a:p>
             <a:pPr algn="ctr"/>
             <a:r>
-              <a:rPr lang="en-US" dirty="0" smtClean="0"/>
+              <a:rPr lang="en-US" dirty="0"/>
               <a:t>How will we do it</a:t>
             </a:r>
-            <a:endParaRPr lang="en-US" dirty="0" smtClean="0"/>
           </a:p>
         </p:txBody>
       </p:sp>
@@ -11774,25 +11759,18 @@
   <p:clrMapOvr>
     <a:masterClrMapping/>
   </p:clrMapOvr>
-  <mc:AlternateContent xmlns:mc="http://schemas.openxmlformats.org/markup-compatibility/2006">
-    <mc:Choice xmlns:p14="http://schemas.microsoft.com/office/powerpoint/2010/main" Requires="p14">
+  <mc:AlternateContent xmlns:mc="http://schemas.openxmlformats.org/markup-compatibility/2006" xmlns:p14="http://schemas.microsoft.com/office/powerpoint/2010/main">
+    <mc:Choice Requires="p14">
       <p:transition spd="slow" p14:dur="1400">
         <p14:doors dir="vert"/>
       </p:transition>
     </mc:Choice>
-    <mc:Fallback>
+    <mc:Fallback xmlns="">
       <p:transition spd="slow">
         <p:fade/>
       </p:transition>
     </mc:Fallback>
   </mc:AlternateContent>
-  <p:timing>
-    <p:tnLst>
-      <p:par>
-        <p:cTn id="1" dur="indefinite" restart="never" nodeType="tmRoot"/>
-      </p:par>
-    </p:tnLst>
-  </p:timing>
 </p:sld>
 </file>
 
@@ -11835,10 +11813,9 @@
           <a:lstStyle/>
           <a:p>
             <a:r>
-              <a:rPr lang="en-US" dirty="0" smtClean="0"/>
-              <a:t>Steps?</a:t>
-            </a:r>
-            <a:endParaRPr lang="en-US" dirty="0"/>
+              <a:rPr lang="en-US" dirty="0"/>
+              <a:t>Languages and Tools </a:t>
+            </a:r>
           </a:p>
         </p:txBody>
       </p:sp>
@@ -11863,13 +11840,94 @@
           <a:bodyPr/>
           <a:lstStyle/>
           <a:p>
+            <a:pPr marL="285750" indent="-285750">
+              <a:buFont typeface="Arial" panose="020B0604020202020204" pitchFamily="34" charset="0"/>
+              <a:buChar char="•"/>
+            </a:pPr>
             <a:r>
               <a:rPr lang="en-US" dirty="0"/>
-              <a:t>Lorem ipsum dolor sit amet, consectetur adipiscing elit. Ut gravida eros erat. Proin a tellus sed risus lobortis sagittis eu quis est. Duis ut aliquam nisi. Suspendisse vehicula mi diam, sit amet lacinia massa sodales ac. Fusce condimentum egestas nunc a maximus. Quisque et orci purus. Proin dolor mi, ultrices sit amet ipsum placerat, congue mattis turpis. Donec vestibulum eros eget mauris dignissim, ut ultricies dolor viverra. </a:t>
-            </a:r>
-          </a:p>
-          <a:p>
-            <a:endParaRPr lang="en-US" dirty="0"/>
+              <a:t>JavaScript</a:t>
+            </a:r>
+          </a:p>
+          <a:p>
+            <a:pPr marL="742950" lvl="1" indent="-285750">
+              <a:buFont typeface="Arial" panose="020B0604020202020204" pitchFamily="34" charset="0"/>
+              <a:buChar char="•"/>
+            </a:pPr>
+            <a:r>
+              <a:rPr lang="en-US" dirty="0"/>
+              <a:t>Angular </a:t>
+            </a:r>
+          </a:p>
+          <a:p>
+            <a:pPr marL="742950" lvl="1" indent="-285750">
+              <a:buFont typeface="Arial" panose="020B0604020202020204" pitchFamily="34" charset="0"/>
+              <a:buChar char="•"/>
+            </a:pPr>
+            <a:r>
+              <a:rPr lang="en-US" dirty="0"/>
+              <a:t>Chart.js</a:t>
+            </a:r>
+          </a:p>
+          <a:p>
+            <a:pPr marL="285750" indent="-285750">
+              <a:buFont typeface="Arial" panose="020B0604020202020204" pitchFamily="34" charset="0"/>
+              <a:buChar char="•"/>
+            </a:pPr>
+            <a:r>
+              <a:rPr lang="en-US" dirty="0"/>
+              <a:t>MySQL/PHP</a:t>
+            </a:r>
+          </a:p>
+          <a:p>
+            <a:pPr marL="742950" lvl="1" indent="-285750">
+              <a:buFont typeface="Arial" panose="020B0604020202020204" pitchFamily="34" charset="0"/>
+              <a:buChar char="•"/>
+            </a:pPr>
+            <a:r>
+              <a:rPr lang="en-US" dirty="0"/>
+              <a:t>Database and database connection </a:t>
+            </a:r>
+          </a:p>
+          <a:p>
+            <a:pPr marL="285750" indent="-285750">
+              <a:buFont typeface="Arial" panose="020B0604020202020204" pitchFamily="34" charset="0"/>
+              <a:buChar char="•"/>
+            </a:pPr>
+            <a:r>
+              <a:rPr lang="en-US" dirty="0"/>
+              <a:t> Zebra API</a:t>
+            </a:r>
+          </a:p>
+          <a:p>
+            <a:pPr marL="742950" lvl="1" indent="-285750">
+              <a:buFont typeface="Arial" panose="020B0604020202020204" pitchFamily="34" charset="0"/>
+              <a:buChar char="•"/>
+            </a:pPr>
+            <a:r>
+              <a:rPr lang="en-US" dirty="0"/>
+              <a:t>Scanner Implementation </a:t>
+            </a:r>
+          </a:p>
+          <a:p>
+            <a:pPr marL="285750" indent="-285750">
+              <a:buFont typeface="Arial" panose="020B0604020202020204" pitchFamily="34" charset="0"/>
+              <a:buChar char="•"/>
+            </a:pPr>
+            <a:r>
+              <a:rPr lang="en-US" dirty="0"/>
+              <a:t>Price Charting API</a:t>
+            </a:r>
+          </a:p>
+          <a:p>
+            <a:pPr marL="742950" lvl="1" indent="-285750">
+              <a:buFont typeface="Arial" panose="020B0604020202020204" pitchFamily="34" charset="0"/>
+              <a:buChar char="•"/>
+            </a:pPr>
+            <a:r>
+              <a:rPr lang="en-US" dirty="0"/>
+              <a:t>For Pricing </a:t>
+            </a:r>
           </a:p>
         </p:txBody>
       </p:sp>
@@ -12054,25 +12112,18 @@
   <p:clrMapOvr>
     <a:masterClrMapping/>
   </p:clrMapOvr>
-  <mc:AlternateContent xmlns:mc="http://schemas.openxmlformats.org/markup-compatibility/2006">
-    <mc:Choice xmlns:p14="http://schemas.microsoft.com/office/powerpoint/2010/main" Requires="p14">
+  <mc:AlternateContent xmlns:mc="http://schemas.openxmlformats.org/markup-compatibility/2006" xmlns:p14="http://schemas.microsoft.com/office/powerpoint/2010/main">
+    <mc:Choice Requires="p14">
       <p:transition spd="slow" p14:dur="1400">
         <p14:doors dir="vert"/>
       </p:transition>
     </mc:Choice>
-    <mc:Fallback>
+    <mc:Fallback xmlns="">
       <p:transition spd="slow">
         <p:fade/>
       </p:transition>
     </mc:Fallback>
   </mc:AlternateContent>
-  <p:timing>
-    <p:tnLst>
-      <p:par>
-        <p:cTn id="1" dur="indefinite" restart="never" nodeType="tmRoot"/>
-      </p:par>
-    </p:tnLst>
-  </p:timing>
 </p:sld>
 </file>
 
@@ -12146,7 +12197,7 @@
                 <a16:creationId xmlns:a16="http://schemas.microsoft.com/office/drawing/2014/main" id="{1101DF86-6B00-49D3-9EFB-456055F79899}"/>
               </a:ext>
               <a:ext uri="{C183D7F6-B498-43B3-948B-1728B52AA6E4}">
-                <adec:decorative xmlns:adec="http://schemas.microsoft.com/office/drawing/2017/decorative" xmlns="" val="1"/>
+                <adec:decorative xmlns:adec="http://schemas.microsoft.com/office/drawing/2017/decorative" val="1"/>
               </a:ext>
             </a:extLst>
           </p:cNvPr>
@@ -12169,7 +12220,7 @@
                   <a16:creationId xmlns:a16="http://schemas.microsoft.com/office/drawing/2014/main" id="{551A06BE-4DC9-42C3-9272-4EF3E833D5F5}"/>
                 </a:ext>
                 <a:ext uri="{C183D7F6-B498-43B3-948B-1728B52AA6E4}">
-                  <adec:decorative xmlns:adec="http://schemas.microsoft.com/office/drawing/2017/decorative" xmlns="" val="1"/>
+                  <adec:decorative xmlns:adec="http://schemas.microsoft.com/office/drawing/2017/decorative" val="1"/>
                 </a:ext>
               </a:extLst>
             </p:cNvPr>
@@ -12241,7 +12292,7 @@
                   <a16:creationId xmlns:a16="http://schemas.microsoft.com/office/drawing/2014/main" id="{42A4A83C-0C6B-4A7C-B582-33988B027F16}"/>
                 </a:ext>
                 <a:ext uri="{C183D7F6-B498-43B3-948B-1728B52AA6E4}">
-                  <adec:decorative xmlns:adec="http://schemas.microsoft.com/office/drawing/2017/decorative" xmlns="" val="1"/>
+                  <adec:decorative xmlns:adec="http://schemas.microsoft.com/office/drawing/2017/decorative" val="1"/>
                 </a:ext>
               </a:extLst>
             </p:cNvPr>
@@ -12254,7 +12305,7 @@
             <a:blip r:embed="rId5">
               <a:extLst>
                 <a:ext uri="{96DAC541-7B7A-43D3-8B79-37D633B846F1}">
-                  <asvg:svgBlip xmlns:asvg="http://schemas.microsoft.com/office/drawing/2016/SVG/main" xmlns="" r:embed="rId6"/>
+                  <asvg:svgBlip xmlns:asvg="http://schemas.microsoft.com/office/drawing/2016/SVG/main" r:embed="rId6"/>
                 </a:ext>
               </a:extLst>
             </a:blip>
@@ -12280,7 +12331,7 @@
                   <a16:creationId xmlns:a16="http://schemas.microsoft.com/office/drawing/2014/main" id="{6568F216-4DE5-421A-A222-041B654BB87E}"/>
                 </a:ext>
                 <a:ext uri="{C183D7F6-B498-43B3-948B-1728B52AA6E4}">
-                  <adec:decorative xmlns:adec="http://schemas.microsoft.com/office/drawing/2017/decorative" xmlns="" val="1"/>
+                  <adec:decorative xmlns:adec="http://schemas.microsoft.com/office/drawing/2017/decorative" val="1"/>
                 </a:ext>
               </a:extLst>
             </p:cNvPr>
@@ -12361,8 +12412,8 @@
           <a:lstStyle/>
           <a:p>
             <a:r>
-              <a:rPr lang="en-US" dirty="0" err="1" smtClean="0"/>
-              <a:t>ROles</a:t>
+              <a:rPr lang="en-US" dirty="0"/>
+              <a:t>Roles</a:t>
             </a:r>
             <a:endParaRPr lang="en-US" dirty="0">
               <a:solidFill>
@@ -12582,10 +12633,9 @@
           <a:p>
             <a:pPr algn="ctr"/>
             <a:r>
-              <a:rPr lang="en-US" dirty="0" smtClean="0"/>
+              <a:rPr lang="en-US" dirty="0"/>
               <a:t>Who will do it</a:t>
             </a:r>
-            <a:endParaRPr lang="en-US" dirty="0" smtClean="0"/>
           </a:p>
         </p:txBody>
       </p:sp>
@@ -12746,25 +12796,18 @@
   <p:clrMapOvr>
     <a:masterClrMapping/>
   </p:clrMapOvr>
-  <mc:AlternateContent xmlns:mc="http://schemas.openxmlformats.org/markup-compatibility/2006">
-    <mc:Choice xmlns:p14="http://schemas.microsoft.com/office/powerpoint/2010/main" Requires="p14">
+  <mc:AlternateContent xmlns:mc="http://schemas.openxmlformats.org/markup-compatibility/2006" xmlns:p14="http://schemas.microsoft.com/office/powerpoint/2010/main">
+    <mc:Choice Requires="p14">
       <p:transition spd="slow" p14:dur="1400">
         <p14:doors dir="vert"/>
       </p:transition>
     </mc:Choice>
-    <mc:Fallback>
+    <mc:Fallback xmlns="">
       <p:transition spd="slow">
         <p:fade/>
       </p:transition>
     </mc:Fallback>
   </mc:AlternateContent>
-  <p:timing>
-    <p:tnLst>
-      <p:par>
-        <p:cTn id="1" dur="indefinite" restart="never" nodeType="tmRoot"/>
-      </p:par>
-    </p:tnLst>
-  </p:timing>
 </p:sld>
 </file>
 
@@ -12803,34 +12846,46 @@
         </p:nvSpPr>
         <p:spPr/>
         <p:txBody>
-          <a:bodyPr/>
+          <a:bodyPr>
+            <a:normAutofit/>
+          </a:bodyPr>
           <a:lstStyle/>
           <a:p>
             <a:r>
-              <a:rPr lang="en-US" dirty="0" smtClean="0"/>
-              <a:t>Ethan</a:t>
-            </a:r>
+              <a:rPr lang="en-US" sz="2400" dirty="0"/>
+              <a:t>Ethan </a:t>
+            </a:r>
+            <a:r>
+              <a:rPr lang="en-US" sz="2400" dirty="0" err="1"/>
+              <a:t>Treece</a:t>
+            </a:r>
+            <a:endParaRPr lang="en-US" sz="2400" dirty="0"/>
           </a:p>
           <a:p>
             <a:pPr lvl="1"/>
             <a:r>
-              <a:rPr lang="en-US" dirty="0" err="1" smtClean="0"/>
-              <a:t>dffdfdf</a:t>
-            </a:r>
-            <a:endParaRPr lang="en-US" dirty="0"/>
-          </a:p>
-          <a:p>
-            <a:r>
-              <a:rPr lang="en-US" dirty="0" smtClean="0"/>
-              <a:t>Nick </a:t>
-            </a:r>
-            <a:endParaRPr lang="en-US" dirty="0"/>
+              <a:rPr lang="en-US" sz="2000" dirty="0"/>
+              <a:t>Front End</a:t>
+            </a:r>
           </a:p>
           <a:p>
             <a:pPr lvl="1"/>
             <a:r>
-              <a:rPr lang="en-US" dirty="0"/>
-              <a:t>sit amet lacinia massa sodales ac. Fusce condimentum egestas nunc a  </a:t>
+              <a:rPr lang="en-US" sz="2000" dirty="0"/>
+              <a:t>Main contact with client</a:t>
+            </a:r>
+          </a:p>
+          <a:p>
+            <a:r>
+              <a:rPr lang="en-US" sz="2400" dirty="0"/>
+              <a:t>Nick Schneider </a:t>
+            </a:r>
+          </a:p>
+          <a:p>
+            <a:pPr lvl="1"/>
+            <a:r>
+              <a:rPr lang="en-US" sz="2000" dirty="0"/>
+              <a:t>Back End and Front End </a:t>
             </a:r>
           </a:p>
         </p:txBody>
@@ -12884,37 +12939,34 @@
         </p:nvSpPr>
         <p:spPr/>
         <p:txBody>
-          <a:bodyPr/>
+          <a:bodyPr>
+            <a:noAutofit/>
+          </a:bodyPr>
           <a:lstStyle/>
           <a:p>
             <a:r>
-              <a:rPr lang="en-US" dirty="0" smtClean="0"/>
-              <a:t>David</a:t>
-            </a:r>
-            <a:endParaRPr lang="en-US" dirty="0"/>
+              <a:rPr lang="en-US" sz="2000" dirty="0"/>
+              <a:t>David Leclerc</a:t>
+            </a:r>
           </a:p>
           <a:p>
             <a:pPr lvl="1"/>
             <a:r>
-              <a:rPr lang="en-US" dirty="0"/>
-              <a:t>Proin a tellus sed risus lobortis sagittis eu quis est. Duis ut aliquam nisi. Suspendisse vehicula mi diam, </a:t>
-            </a:r>
-          </a:p>
-          <a:p>
-            <a:r>
-              <a:rPr lang="en-US" dirty="0" smtClean="0"/>
-              <a:t>Koen</a:t>
+              <a:rPr lang="en-US" sz="2000" dirty="0"/>
+              <a:t>Front End</a:t>
+            </a:r>
+          </a:p>
+          <a:p>
+            <a:r>
+              <a:rPr lang="en-US" sz="2000" dirty="0"/>
+              <a:t>Koen Rogers </a:t>
             </a:r>
           </a:p>
           <a:p>
             <a:pPr lvl="1"/>
             <a:r>
-              <a:rPr lang="en-US" dirty="0" smtClean="0"/>
-              <a:t>sit </a:t>
-            </a:r>
-            <a:r>
-              <a:rPr lang="en-US" dirty="0"/>
-              <a:t>amet lacinia massa sodales ac. Fusce condimentum egestas nunc a</a:t>
+              <a:rPr lang="en-US" sz="2000" dirty="0"/>
+              <a:t>Back End</a:t>
             </a:r>
           </a:p>
         </p:txBody>
@@ -13015,25 +13067,18 @@
   <p:clrMapOvr>
     <a:masterClrMapping/>
   </p:clrMapOvr>
-  <mc:AlternateContent xmlns:mc="http://schemas.openxmlformats.org/markup-compatibility/2006">
-    <mc:Choice xmlns:p14="http://schemas.microsoft.com/office/powerpoint/2010/main" Requires="p14">
+  <mc:AlternateContent xmlns:mc="http://schemas.openxmlformats.org/markup-compatibility/2006" xmlns:p14="http://schemas.microsoft.com/office/powerpoint/2010/main">
+    <mc:Choice Requires="p14">
       <p:transition spd="slow" p14:dur="1400">
         <p14:doors dir="vert"/>
       </p:transition>
     </mc:Choice>
-    <mc:Fallback>
+    <mc:Fallback xmlns="">
       <p:transition spd="slow">
         <p:fade/>
       </p:transition>
     </mc:Fallback>
   </mc:AlternateContent>
-  <p:timing>
-    <p:tnLst>
-      <p:par>
-        <p:cTn id="1" dur="indefinite" restart="never" nodeType="tmRoot"/>
-      </p:par>
-    </p:tnLst>
-  </p:timing>
 </p:sld>
 </file>
 
@@ -13107,7 +13152,7 @@
                 <a16:creationId xmlns:a16="http://schemas.microsoft.com/office/drawing/2014/main" id="{1101DF86-6B00-49D3-9EFB-456055F79899}"/>
               </a:ext>
               <a:ext uri="{C183D7F6-B498-43B3-948B-1728B52AA6E4}">
-                <adec:decorative xmlns:adec="http://schemas.microsoft.com/office/drawing/2017/decorative" xmlns="" val="1"/>
+                <adec:decorative xmlns:adec="http://schemas.microsoft.com/office/drawing/2017/decorative" val="1"/>
               </a:ext>
             </a:extLst>
           </p:cNvPr>
@@ -13130,7 +13175,7 @@
                   <a16:creationId xmlns:a16="http://schemas.microsoft.com/office/drawing/2014/main" id="{551A06BE-4DC9-42C3-9272-4EF3E833D5F5}"/>
                 </a:ext>
                 <a:ext uri="{C183D7F6-B498-43B3-948B-1728B52AA6E4}">
-                  <adec:decorative xmlns:adec="http://schemas.microsoft.com/office/drawing/2017/decorative" xmlns="" val="1"/>
+                  <adec:decorative xmlns:adec="http://schemas.microsoft.com/office/drawing/2017/decorative" val="1"/>
                 </a:ext>
               </a:extLst>
             </p:cNvPr>
@@ -13202,7 +13247,7 @@
                   <a16:creationId xmlns:a16="http://schemas.microsoft.com/office/drawing/2014/main" id="{42A4A83C-0C6B-4A7C-B582-33988B027F16}"/>
                 </a:ext>
                 <a:ext uri="{C183D7F6-B498-43B3-948B-1728B52AA6E4}">
-                  <adec:decorative xmlns:adec="http://schemas.microsoft.com/office/drawing/2017/decorative" xmlns="" val="1"/>
+                  <adec:decorative xmlns:adec="http://schemas.microsoft.com/office/drawing/2017/decorative" val="1"/>
                 </a:ext>
               </a:extLst>
             </p:cNvPr>
@@ -13215,7 +13260,7 @@
             <a:blip r:embed="rId5">
               <a:extLst>
                 <a:ext uri="{96DAC541-7B7A-43D3-8B79-37D633B846F1}">
-                  <asvg:svgBlip xmlns:asvg="http://schemas.microsoft.com/office/drawing/2016/SVG/main" xmlns="" r:embed="rId6"/>
+                  <asvg:svgBlip xmlns:asvg="http://schemas.microsoft.com/office/drawing/2016/SVG/main" r:embed="rId6"/>
                 </a:ext>
               </a:extLst>
             </a:blip>
@@ -13241,7 +13286,7 @@
                   <a16:creationId xmlns:a16="http://schemas.microsoft.com/office/drawing/2014/main" id="{6568F216-4DE5-421A-A222-041B654BB87E}"/>
                 </a:ext>
                 <a:ext uri="{C183D7F6-B498-43B3-948B-1728B52AA6E4}">
-                  <adec:decorative xmlns:adec="http://schemas.microsoft.com/office/drawing/2017/decorative" xmlns="" val="1"/>
+                  <adec:decorative xmlns:adec="http://schemas.microsoft.com/office/drawing/2017/decorative" val="1"/>
                 </a:ext>
               </a:extLst>
             </p:cNvPr>
@@ -13322,7 +13367,7 @@
           <a:lstStyle/>
           <a:p>
             <a:r>
-              <a:rPr lang="en-US" dirty="0" smtClean="0"/>
+              <a:rPr lang="en-US" dirty="0"/>
               <a:t>Team Work</a:t>
             </a:r>
             <a:endParaRPr lang="en-US" dirty="0">
@@ -13543,19 +13588,15 @@
           <a:p>
             <a:pPr algn="ctr"/>
             <a:r>
-              <a:rPr lang="en-US" dirty="0" smtClean="0"/>
+              <a:rPr lang="en-US" dirty="0"/>
               <a:t>How </a:t>
             </a:r>
             <a:r>
-              <a:rPr lang="en-US" b="1" dirty="0" smtClean="0"/>
-              <a:t>W</a:t>
-            </a:r>
-            <a:r>
               <a:rPr lang="en-US" b="1" dirty="0"/>
-              <a:t>E</a:t>
-            </a:r>
-            <a:r>
-              <a:rPr lang="en-US" dirty="0" smtClean="0"/>
+              <a:t>WE</a:t>
+            </a:r>
+            <a:r>
+              <a:rPr lang="en-US" dirty="0"/>
               <a:t> will do It</a:t>
             </a:r>
           </a:p>
@@ -13718,25 +13759,18 @@
   <p:clrMapOvr>
     <a:masterClrMapping/>
   </p:clrMapOvr>
-  <mc:AlternateContent xmlns:mc="http://schemas.openxmlformats.org/markup-compatibility/2006">
-    <mc:Choice xmlns:p14="http://schemas.microsoft.com/office/powerpoint/2010/main" Requires="p14">
+  <mc:AlternateContent xmlns:mc="http://schemas.openxmlformats.org/markup-compatibility/2006" xmlns:p14="http://schemas.microsoft.com/office/powerpoint/2010/main">
+    <mc:Choice Requires="p14">
       <p:transition spd="slow" p14:dur="1400">
         <p14:doors dir="vert"/>
       </p:transition>
     </mc:Choice>
-    <mc:Fallback>
+    <mc:Fallback xmlns="">
       <p:transition spd="slow">
         <p:fade/>
       </p:transition>
     </mc:Fallback>
   </mc:AlternateContent>
-  <p:timing>
-    <p:tnLst>
-      <p:par>
-        <p:cTn id="1" dur="indefinite" restart="never" nodeType="tmRoot"/>
-      </p:par>
-    </p:tnLst>
-  </p:timing>
 </p:sld>
 </file>
 
@@ -13779,10 +13813,9 @@
           <a:lstStyle/>
           <a:p>
             <a:r>
-              <a:rPr lang="en-US" dirty="0" err="1" smtClean="0"/>
-              <a:t>TeamWork</a:t>
-            </a:r>
-            <a:endParaRPr lang="en-US" dirty="0"/>
+              <a:rPr lang="en-US" dirty="0"/>
+              <a:t>Teamwork</a:t>
+            </a:r>
           </a:p>
         </p:txBody>
       </p:sp>
@@ -13807,10 +13840,81 @@
           <a:bodyPr/>
           <a:lstStyle/>
           <a:p>
+            <a:pPr marL="285750" indent="-285750">
+              <a:buFont typeface="Arial" panose="020B0604020202020204" pitchFamily="34" charset="0"/>
+              <a:buChar char="•"/>
+            </a:pPr>
             <a:r>
               <a:rPr lang="en-US" dirty="0"/>
-              <a:t>Lorem ipsum dolor sit amet, consectetur adipiscing elit. Ut gravida eros erat. Proin a tellus sed risus lobortis sagittis eu quis est. Duis ut aliquam nisi. Suspendisse vehicula mi diam, sit amet lacinia massa sodales ac. Fusce condimentum egestas nunc a maximus. Quisque et orci purus. Proin dolor mi, ultrices sit amet ipsum placerat, congue mattis turpis. Donec vestibulum eros eget mauris dignissim, ut ultricies dolor viverra. </a:t>
-            </a:r>
+              <a:t>Communication </a:t>
+            </a:r>
+          </a:p>
+          <a:p>
+            <a:pPr marL="742950" lvl="1" indent="-285750">
+              <a:buFont typeface="Arial" panose="020B0604020202020204" pitchFamily="34" charset="0"/>
+              <a:buChar char="•"/>
+            </a:pPr>
+            <a:r>
+              <a:rPr lang="en-US" dirty="0"/>
+              <a:t>Discord</a:t>
+            </a:r>
+          </a:p>
+          <a:p>
+            <a:pPr marL="742950" lvl="1" indent="-285750">
+              <a:buFont typeface="Arial" panose="020B0604020202020204" pitchFamily="34" charset="0"/>
+              <a:buChar char="•"/>
+            </a:pPr>
+            <a:r>
+              <a:rPr lang="en-US" dirty="0"/>
+              <a:t>Trello</a:t>
+            </a:r>
+          </a:p>
+          <a:p>
+            <a:pPr marL="742950" lvl="1" indent="-285750">
+              <a:buFont typeface="Arial" panose="020B0604020202020204" pitchFamily="34" charset="0"/>
+              <a:buChar char="•"/>
+            </a:pPr>
+            <a:r>
+              <a:rPr lang="en-US" dirty="0"/>
+              <a:t>Emails </a:t>
+            </a:r>
+          </a:p>
+          <a:p>
+            <a:pPr marL="285750" indent="-285750">
+              <a:buFont typeface="Arial" panose="020B0604020202020204" pitchFamily="34" charset="0"/>
+              <a:buChar char="•"/>
+            </a:pPr>
+            <a:r>
+              <a:rPr lang="en-US" dirty="0"/>
+              <a:t>Code storage</a:t>
+            </a:r>
+          </a:p>
+          <a:p>
+            <a:pPr marL="742950" lvl="1" indent="-285750">
+              <a:buFont typeface="Arial" panose="020B0604020202020204" pitchFamily="34" charset="0"/>
+              <a:buChar char="•"/>
+            </a:pPr>
+            <a:r>
+              <a:rPr lang="en-US" dirty="0"/>
+              <a:t>GitHub Repo</a:t>
+            </a:r>
+          </a:p>
+          <a:p>
+            <a:pPr marL="742950" lvl="1" indent="-285750">
+              <a:buFont typeface="Arial" panose="020B0604020202020204" pitchFamily="34" charset="0"/>
+              <a:buChar char="•"/>
+            </a:pPr>
+            <a:r>
+              <a:rPr lang="en-US" dirty="0"/>
+              <a:t>Detailing our code with descriptive comments</a:t>
+            </a:r>
+          </a:p>
+          <a:p>
+            <a:pPr marL="285750" indent="-285750">
+              <a:buFont typeface="Arial" panose="020B0604020202020204" pitchFamily="34" charset="0"/>
+              <a:buChar char="•"/>
+            </a:pPr>
+            <a:endParaRPr lang="en-US" dirty="0"/>
           </a:p>
           <a:p>
             <a:endParaRPr lang="en-US" dirty="0"/>
@@ -13998,29 +14102,574 @@
   <p:clrMapOvr>
     <a:masterClrMapping/>
   </p:clrMapOvr>
-  <mc:AlternateContent xmlns:mc="http://schemas.openxmlformats.org/markup-compatibility/2006">
-    <mc:Choice xmlns:p14="http://schemas.microsoft.com/office/powerpoint/2010/main" Requires="p14">
+  <mc:AlternateContent xmlns:mc="http://schemas.openxmlformats.org/markup-compatibility/2006" xmlns:p14="http://schemas.microsoft.com/office/powerpoint/2010/main">
+    <mc:Choice Requires="p14">
       <p:transition spd="slow" p14:dur="1400">
         <p14:doors dir="vert"/>
       </p:transition>
     </mc:Choice>
-    <mc:Fallback>
+    <mc:Fallback xmlns="">
       <p:transition spd="slow">
         <p:fade/>
       </p:transition>
     </mc:Fallback>
   </mc:AlternateContent>
-  <p:timing>
-    <p:tnLst>
-      <p:par>
-        <p:cTn id="1" dur="indefinite" restart="never" nodeType="tmRoot"/>
-      </p:par>
-    </p:tnLst>
-  </p:timing>
 </p:sld>
 </file>
 
 <file path=ppt/slides/slide16.xml><?xml version="1.0" encoding="utf-8"?>
+<p:sld xmlns:a="http://schemas.openxmlformats.org/drawingml/2006/main" xmlns:r="http://schemas.openxmlformats.org/officeDocument/2006/relationships" xmlns:p="http://schemas.openxmlformats.org/presentationml/2006/main">
+  <p:cSld>
+    <p:bg>
+      <p:bgPr>
+        <a:solidFill>
+          <a:srgbClr val="2F3342"/>
+        </a:solidFill>
+        <a:effectLst/>
+      </p:bgPr>
+    </p:bg>
+    <p:spTree>
+      <p:nvGrpSpPr>
+        <p:cNvPr id="1" name=""/>
+        <p:cNvGrpSpPr/>
+        <p:nvPr/>
+      </p:nvGrpSpPr>
+      <p:grpSpPr>
+        <a:xfrm>
+          <a:off x="0" y="0"/>
+          <a:ext cx="0" cy="0"/>
+          <a:chOff x="0" y="0"/>
+          <a:chExt cx="0" cy="0"/>
+        </a:xfrm>
+      </p:grpSpPr>
+      <p:pic>
+        <p:nvPicPr>
+          <p:cNvPr id="5" name="Picture Placeholder 4" descr="Triangular design ceiling">
+            <a:extLst>
+              <a:ext uri="{FF2B5EF4-FFF2-40B4-BE49-F238E27FC236}">
+                <a16:creationId xmlns:a16="http://schemas.microsoft.com/office/drawing/2014/main" id="{ECE6809B-9586-4FFC-9D20-26C51CA9653B}"/>
+              </a:ext>
+            </a:extLst>
+          </p:cNvPr>
+          <p:cNvPicPr>
+            <a:picLocks noGrp="1" noChangeAspect="1"/>
+          </p:cNvPicPr>
+          <p:nvPr>
+            <p:ph type="pic" sz="quarter" idx="15"/>
+          </p:nvPr>
+        </p:nvPicPr>
+        <p:blipFill>
+          <a:blip r:embed="rId2">
+            <a:extLst>
+              <a:ext uri="{28A0092B-C50C-407E-A947-70E740481C1C}">
+                <a14:useLocalDpi xmlns:a14="http://schemas.microsoft.com/office/drawing/2010/main" val="0"/>
+              </a:ext>
+            </a:extLst>
+          </a:blip>
+          <a:srcRect/>
+          <a:stretch>
+            <a:fillRect/>
+          </a:stretch>
+        </p:blipFill>
+        <p:spPr/>
+      </p:pic>
+      <p:sp>
+        <p:nvSpPr>
+          <p:cNvPr id="35" name="Rectangle 34">
+            <a:extLst>
+              <a:ext uri="{FF2B5EF4-FFF2-40B4-BE49-F238E27FC236}">
+                <a16:creationId xmlns:a16="http://schemas.microsoft.com/office/drawing/2014/main" id="{B6C8E487-ADDC-4F1B-A30A-BAABB4998F49}"/>
+              </a:ext>
+              <a:ext uri="{C183D7F6-B498-43B3-948B-1728B52AA6E4}">
+                <adec:decorative xmlns:adec="http://schemas.microsoft.com/office/drawing/2017/decorative" val="1"/>
+              </a:ext>
+            </a:extLst>
+          </p:cNvPr>
+          <p:cNvSpPr/>
+          <p:nvPr/>
+        </p:nvSpPr>
+        <p:spPr>
+          <a:xfrm>
+            <a:off x="-35508" y="20298"/>
+            <a:ext cx="12192000" cy="6858000"/>
+          </a:xfrm>
+          <a:prstGeom prst="rect">
+            <a:avLst/>
+          </a:prstGeom>
+          <a:solidFill>
+            <a:srgbClr val="2F3342">
+              <a:alpha val="50000"/>
+            </a:srgbClr>
+          </a:solidFill>
+          <a:ln>
+            <a:noFill/>
+          </a:ln>
+        </p:spPr>
+        <p:style>
+          <a:lnRef idx="2">
+            <a:schemeClr val="accent1">
+              <a:shade val="50000"/>
+            </a:schemeClr>
+          </a:lnRef>
+          <a:fillRef idx="1">
+            <a:schemeClr val="accent1"/>
+          </a:fillRef>
+          <a:effectRef idx="0">
+            <a:schemeClr val="accent1"/>
+          </a:effectRef>
+          <a:fontRef idx="minor">
+            <a:schemeClr val="lt1"/>
+          </a:fontRef>
+        </p:style>
+        <p:txBody>
+          <a:bodyPr rtlCol="0" anchor="ctr"/>
+          <a:lstStyle/>
+          <a:p>
+            <a:pPr algn="ctr"/>
+            <a:endParaRPr lang="en-US" dirty="0"/>
+          </a:p>
+        </p:txBody>
+      </p:sp>
+      <p:grpSp>
+        <p:nvGrpSpPr>
+          <p:cNvPr id="40" name="Group 39">
+            <a:extLst>
+              <a:ext uri="{FF2B5EF4-FFF2-40B4-BE49-F238E27FC236}">
+                <a16:creationId xmlns:a16="http://schemas.microsoft.com/office/drawing/2014/main" id="{11BEC607-8474-408E-A7AC-48A065F31B63}"/>
+              </a:ext>
+              <a:ext uri="{C183D7F6-B498-43B3-948B-1728B52AA6E4}">
+                <adec:decorative xmlns:adec="http://schemas.microsoft.com/office/drawing/2017/decorative" val="1"/>
+              </a:ext>
+            </a:extLst>
+          </p:cNvPr>
+          <p:cNvGrpSpPr/>
+          <p:nvPr/>
+        </p:nvGrpSpPr>
+        <p:grpSpPr>
+          <a:xfrm flipH="1">
+            <a:off x="2076202" y="1374276"/>
+            <a:ext cx="7324426" cy="3883523"/>
+            <a:chOff x="252031" y="-22763"/>
+            <a:chExt cx="7324426" cy="7269964"/>
+          </a:xfrm>
+        </p:grpSpPr>
+        <p:sp>
+          <p:nvSpPr>
+            <p:cNvPr id="42" name="Rectangle 41">
+              <a:extLst>
+                <a:ext uri="{FF2B5EF4-FFF2-40B4-BE49-F238E27FC236}">
+                  <a16:creationId xmlns:a16="http://schemas.microsoft.com/office/drawing/2014/main" id="{B601E3FC-2016-4085-9A4B-A172702EAAE1}"/>
+                </a:ext>
+                <a:ext uri="{C183D7F6-B498-43B3-948B-1728B52AA6E4}">
+                  <adec:decorative xmlns:adec="http://schemas.microsoft.com/office/drawing/2017/decorative" val="1"/>
+                </a:ext>
+              </a:extLst>
+            </p:cNvPr>
+            <p:cNvSpPr/>
+            <p:nvPr userDrawn="1"/>
+          </p:nvSpPr>
+          <p:spPr>
+            <a:xfrm>
+              <a:off x="979714" y="1181211"/>
+              <a:ext cx="6117771" cy="6065990"/>
+            </a:xfrm>
+            <a:prstGeom prst="rect">
+              <a:avLst/>
+            </a:prstGeom>
+            <a:gradFill>
+              <a:gsLst>
+                <a:gs pos="0">
+                  <a:srgbClr val="038B30">
+                    <a:alpha val="70000"/>
+                  </a:srgbClr>
+                </a:gs>
+                <a:gs pos="100000">
+                  <a:srgbClr val="C0F400">
+                    <a:alpha val="70000"/>
+                  </a:srgbClr>
+                </a:gs>
+                <a:gs pos="50000">
+                  <a:srgbClr val="05EE55">
+                    <a:alpha val="70000"/>
+                  </a:srgbClr>
+                </a:gs>
+              </a:gsLst>
+              <a:lin ang="16200000" scaled="1"/>
+            </a:gradFill>
+            <a:ln>
+              <a:noFill/>
+            </a:ln>
+          </p:spPr>
+          <p:style>
+            <a:lnRef idx="2">
+              <a:schemeClr val="accent1">
+                <a:shade val="50000"/>
+              </a:schemeClr>
+            </a:lnRef>
+            <a:fillRef idx="1">
+              <a:schemeClr val="accent1"/>
+            </a:fillRef>
+            <a:effectRef idx="0">
+              <a:schemeClr val="accent1"/>
+            </a:effectRef>
+            <a:fontRef idx="minor">
+              <a:schemeClr val="lt1"/>
+            </a:fontRef>
+          </p:style>
+          <p:txBody>
+            <a:bodyPr rtlCol="0" anchor="ctr"/>
+            <a:lstStyle/>
+            <a:p>
+              <a:pPr algn="ctr"/>
+              <a:endParaRPr lang="en-US" dirty="0"/>
+            </a:p>
+          </p:txBody>
+        </p:sp>
+        <p:sp>
+          <p:nvSpPr>
+            <p:cNvPr id="41" name="Rectangle 40">
+              <a:extLst>
+                <a:ext uri="{FF2B5EF4-FFF2-40B4-BE49-F238E27FC236}">
+                  <a16:creationId xmlns:a16="http://schemas.microsoft.com/office/drawing/2014/main" id="{2CBF662F-A198-4AD3-8EBC-0EC9A52B2994}"/>
+                </a:ext>
+                <a:ext uri="{C183D7F6-B498-43B3-948B-1728B52AA6E4}">
+                  <adec:decorative xmlns:adec="http://schemas.microsoft.com/office/drawing/2017/decorative" val="1"/>
+                </a:ext>
+              </a:extLst>
+            </p:cNvPr>
+            <p:cNvSpPr/>
+            <p:nvPr userDrawn="1"/>
+          </p:nvSpPr>
+          <p:spPr>
+            <a:xfrm>
+              <a:off x="500743" y="-22763"/>
+              <a:ext cx="7075714" cy="5878284"/>
+            </a:xfrm>
+            <a:prstGeom prst="rect">
+              <a:avLst/>
+            </a:prstGeom>
+            <a:noFill/>
+            <a:ln w="127000">
+              <a:solidFill>
+                <a:schemeClr val="bg1"/>
+              </a:solidFill>
+            </a:ln>
+          </p:spPr>
+          <p:style>
+            <a:lnRef idx="2">
+              <a:schemeClr val="accent1">
+                <a:shade val="50000"/>
+              </a:schemeClr>
+            </a:lnRef>
+            <a:fillRef idx="1">
+              <a:schemeClr val="accent1"/>
+            </a:fillRef>
+            <a:effectRef idx="0">
+              <a:schemeClr val="accent1"/>
+            </a:effectRef>
+            <a:fontRef idx="minor">
+              <a:schemeClr val="lt1"/>
+            </a:fontRef>
+          </p:style>
+          <p:txBody>
+            <a:bodyPr rtlCol="0" anchor="ctr"/>
+            <a:lstStyle/>
+            <a:p>
+              <a:pPr algn="ctr"/>
+              <a:endParaRPr lang="en-US" dirty="0"/>
+            </a:p>
+          </p:txBody>
+        </p:sp>
+        <p:sp>
+          <p:nvSpPr>
+            <p:cNvPr id="43" name="Rectangle 42">
+              <a:extLst>
+                <a:ext uri="{FF2B5EF4-FFF2-40B4-BE49-F238E27FC236}">
+                  <a16:creationId xmlns:a16="http://schemas.microsoft.com/office/drawing/2014/main" id="{142E86C5-8E5F-4620-A4FB-D1F926179D18}"/>
+                </a:ext>
+                <a:ext uri="{C183D7F6-B498-43B3-948B-1728B52AA6E4}">
+                  <adec:decorative xmlns:adec="http://schemas.microsoft.com/office/drawing/2017/decorative" val="1"/>
+                </a:ext>
+              </a:extLst>
+            </p:cNvPr>
+            <p:cNvSpPr/>
+            <p:nvPr userDrawn="1"/>
+          </p:nvSpPr>
+          <p:spPr>
+            <a:xfrm>
+              <a:off x="252031" y="655467"/>
+              <a:ext cx="6475341" cy="5701790"/>
+            </a:xfrm>
+            <a:prstGeom prst="rect">
+              <a:avLst/>
+            </a:prstGeom>
+            <a:solidFill>
+              <a:srgbClr val="2F3342"/>
+            </a:solidFill>
+            <a:ln>
+              <a:noFill/>
+            </a:ln>
+          </p:spPr>
+          <p:style>
+            <a:lnRef idx="2">
+              <a:schemeClr val="accent1">
+                <a:shade val="50000"/>
+              </a:schemeClr>
+            </a:lnRef>
+            <a:fillRef idx="1">
+              <a:schemeClr val="accent1"/>
+            </a:fillRef>
+            <a:effectRef idx="0">
+              <a:schemeClr val="accent1"/>
+            </a:effectRef>
+            <a:fontRef idx="minor">
+              <a:schemeClr val="lt1"/>
+            </a:fontRef>
+          </p:style>
+          <p:txBody>
+            <a:bodyPr rtlCol="0" anchor="ctr"/>
+            <a:lstStyle/>
+            <a:p>
+              <a:pPr algn="ctr"/>
+              <a:endParaRPr lang="en-US" dirty="0"/>
+            </a:p>
+          </p:txBody>
+        </p:sp>
+      </p:grpSp>
+      <p:sp>
+        <p:nvSpPr>
+          <p:cNvPr id="6" name="Title 5">
+            <a:extLst>
+              <a:ext uri="{FF2B5EF4-FFF2-40B4-BE49-F238E27FC236}">
+                <a16:creationId xmlns:a16="http://schemas.microsoft.com/office/drawing/2014/main" id="{7E0E8055-17FA-43CE-9F03-E712F496B7CF}"/>
+              </a:ext>
+            </a:extLst>
+          </p:cNvPr>
+          <p:cNvSpPr>
+            <a:spLocks noGrp="1"/>
+          </p:cNvSpPr>
+          <p:nvPr>
+            <p:ph type="ctrTitle"/>
+          </p:nvPr>
+        </p:nvSpPr>
+        <p:spPr/>
+        <p:txBody>
+          <a:bodyPr anchor="ctr"/>
+          <a:lstStyle/>
+          <a:p>
+            <a:r>
+              <a:rPr lang="en-US" dirty="0"/>
+              <a:t>THANK YOU</a:t>
+            </a:r>
+          </a:p>
+        </p:txBody>
+      </p:sp>
+      <p:sp>
+        <p:nvSpPr>
+          <p:cNvPr id="10" name="Subtitle 9">
+            <a:extLst>
+              <a:ext uri="{FF2B5EF4-FFF2-40B4-BE49-F238E27FC236}">
+                <a16:creationId xmlns:a16="http://schemas.microsoft.com/office/drawing/2014/main" id="{3E9BAE4F-16CE-4F5D-9BC7-2CB992790F2F}"/>
+              </a:ext>
+            </a:extLst>
+          </p:cNvPr>
+          <p:cNvSpPr>
+            <a:spLocks noGrp="1"/>
+          </p:cNvSpPr>
+          <p:nvPr>
+            <p:ph type="subTitle" idx="1"/>
+          </p:nvPr>
+        </p:nvSpPr>
+        <p:spPr/>
+        <p:txBody>
+          <a:bodyPr/>
+          <a:lstStyle/>
+          <a:p>
+            <a:r>
+              <a:rPr lang="en-US" dirty="0"/>
+              <a:t>Spring 2020 Capstone Project</a:t>
+            </a:r>
+          </a:p>
+        </p:txBody>
+      </p:sp>
+      <p:sp>
+        <p:nvSpPr>
+          <p:cNvPr id="2" name="Footer Placeholder 1">
+            <a:extLst>
+              <a:ext uri="{FF2B5EF4-FFF2-40B4-BE49-F238E27FC236}">
+                <a16:creationId xmlns:a16="http://schemas.microsoft.com/office/drawing/2014/main" id="{9FE3A4F2-29CE-4C57-A172-6A0D63EFD700}"/>
+              </a:ext>
+            </a:extLst>
+          </p:cNvPr>
+          <p:cNvSpPr>
+            <a:spLocks noGrp="1"/>
+          </p:cNvSpPr>
+          <p:nvPr>
+            <p:ph type="ftr" sz="quarter" idx="4294967295"/>
+          </p:nvPr>
+        </p:nvSpPr>
+        <p:spPr>
+          <a:xfrm>
+            <a:off x="595884" y="6468303"/>
+            <a:ext cx="4114800" cy="365125"/>
+          </a:xfrm>
+        </p:spPr>
+        <p:txBody>
+          <a:bodyPr/>
+          <a:lstStyle/>
+          <a:p>
+            <a:r>
+              <a:rPr lang="en-US" dirty="0"/>
+              <a:t>Add a Footer</a:t>
+            </a:r>
+          </a:p>
+        </p:txBody>
+      </p:sp>
+      <p:sp>
+        <p:nvSpPr>
+          <p:cNvPr id="25" name="Rectangle: Single Corner Snipped 24" descr="Footer accent box">
+            <a:extLst>
+              <a:ext uri="{FF2B5EF4-FFF2-40B4-BE49-F238E27FC236}">
+                <a16:creationId xmlns:a16="http://schemas.microsoft.com/office/drawing/2014/main" id="{ADA66B68-D364-4C11-9AA9-052CEAC914E1}"/>
+              </a:ext>
+            </a:extLst>
+          </p:cNvPr>
+          <p:cNvSpPr/>
+          <p:nvPr/>
+        </p:nvSpPr>
+        <p:spPr>
+          <a:xfrm flipH="1">
+            <a:off x="11549269" y="6356350"/>
+            <a:ext cx="642731" cy="501650"/>
+          </a:xfrm>
+          <a:prstGeom prst="snip1Rect">
+            <a:avLst/>
+          </a:prstGeom>
+          <a:gradFill>
+            <a:gsLst>
+              <a:gs pos="0">
+                <a:srgbClr val="038B30">
+                  <a:alpha val="70000"/>
+                </a:srgbClr>
+              </a:gs>
+              <a:gs pos="50000">
+                <a:srgbClr val="05EE55">
+                  <a:alpha val="70000"/>
+                </a:srgbClr>
+              </a:gs>
+              <a:gs pos="100000">
+                <a:srgbClr val="C0F400">
+                  <a:alpha val="70000"/>
+                </a:srgbClr>
+              </a:gs>
+            </a:gsLst>
+            <a:lin ang="5400000" scaled="1"/>
+          </a:gradFill>
+          <a:ln>
+            <a:noFill/>
+          </a:ln>
+        </p:spPr>
+        <p:style>
+          <a:lnRef idx="2">
+            <a:schemeClr val="accent1">
+              <a:shade val="50000"/>
+            </a:schemeClr>
+          </a:lnRef>
+          <a:fillRef idx="1">
+            <a:schemeClr val="accent1"/>
+          </a:fillRef>
+          <a:effectRef idx="0">
+            <a:schemeClr val="accent1"/>
+          </a:effectRef>
+          <a:fontRef idx="minor">
+            <a:schemeClr val="lt1"/>
+          </a:fontRef>
+        </p:style>
+        <p:txBody>
+          <a:bodyPr rtlCol="0" anchor="ctr"/>
+          <a:lstStyle/>
+          <a:p>
+            <a:pPr algn="ctr"/>
+            <a:endParaRPr lang="en-US" dirty="0">
+              <a:solidFill>
+                <a:schemeClr val="bg1"/>
+              </a:solidFill>
+            </a:endParaRPr>
+          </a:p>
+        </p:txBody>
+      </p:sp>
+      <p:sp>
+        <p:nvSpPr>
+          <p:cNvPr id="26" name="Slide Number Placeholder 5">
+            <a:extLst>
+              <a:ext uri="{FF2B5EF4-FFF2-40B4-BE49-F238E27FC236}">
+                <a16:creationId xmlns:a16="http://schemas.microsoft.com/office/drawing/2014/main" id="{7B17F9E2-0E31-4010-80D8-F343F24E6E14}"/>
+              </a:ext>
+            </a:extLst>
+          </p:cNvPr>
+          <p:cNvSpPr>
+            <a:spLocks noGrp="1"/>
+          </p:cNvSpPr>
+          <p:nvPr>
+            <p:ph type="sldNum" sz="quarter" idx="4294967295"/>
+          </p:nvPr>
+        </p:nvSpPr>
+        <p:spPr>
+          <a:xfrm>
+            <a:off x="11549268" y="6413649"/>
+            <a:ext cx="642731" cy="407804"/>
+          </a:xfrm>
+          <a:prstGeom prst="rect">
+            <a:avLst/>
+          </a:prstGeom>
+        </p:spPr>
+        <p:txBody>
+          <a:bodyPr vert="horz" lIns="91440" tIns="45720" rIns="91440" bIns="45720" rtlCol="0" anchor="ctr"/>
+          <a:lstStyle>
+            <a:lvl1pPr algn="ctr">
+              <a:defRPr sz="1200">
+                <a:solidFill>
+                  <a:schemeClr val="bg1"/>
+                </a:solidFill>
+              </a:defRPr>
+            </a:lvl1pPr>
+          </a:lstStyle>
+          <a:p>
+            <a:fld id="{8C2E478F-E849-4A8C-AF1F-CBCC78A7CBFA}" type="slidenum">
+              <a:rPr lang="en-US" smtClean="0"/>
+              <a:pPr/>
+              <a:t>16</a:t>
+            </a:fld>
+            <a:endParaRPr lang="en-US" dirty="0"/>
+          </a:p>
+        </p:txBody>
+      </p:sp>
+    </p:spTree>
+    <p:extLst>
+      <p:ext uri="{BB962C8B-B14F-4D97-AF65-F5344CB8AC3E}">
+        <p14:creationId xmlns:p14="http://schemas.microsoft.com/office/powerpoint/2010/main" val="207078912"/>
+      </p:ext>
+    </p:extLst>
+  </p:cSld>
+  <p:clrMapOvr>
+    <a:masterClrMapping/>
+  </p:clrMapOvr>
+  <mc:AlternateContent xmlns:mc="http://schemas.openxmlformats.org/markup-compatibility/2006" xmlns:p14="http://schemas.microsoft.com/office/powerpoint/2010/main">
+    <mc:Choice Requires="p14">
+      <p:transition spd="slow" p14:dur="1400">
+        <p14:doors dir="vert"/>
+      </p:transition>
+    </mc:Choice>
+    <mc:Fallback xmlns="">
+      <p:transition spd="slow">
+        <p:fade/>
+      </p:transition>
+    </mc:Fallback>
+  </mc:AlternateContent>
+</p:sld>
+</file>
+
+<file path=ppt/slides/slide17.xml><?xml version="1.0" encoding="utf-8"?>
 <p:sld xmlns:a="http://schemas.openxmlformats.org/drawingml/2006/main" xmlns:r="http://schemas.openxmlformats.org/officeDocument/2006/relationships" xmlns:p="http://schemas.openxmlformats.org/presentationml/2006/main">
   <p:cSld>
     <p:spTree>
@@ -14090,7 +14739,7 @@
                 <a16:creationId xmlns:a16="http://schemas.microsoft.com/office/drawing/2014/main" id="{1101DF86-6B00-49D3-9EFB-456055F79899}"/>
               </a:ext>
               <a:ext uri="{C183D7F6-B498-43B3-948B-1728B52AA6E4}">
-                <adec:decorative xmlns:adec="http://schemas.microsoft.com/office/drawing/2017/decorative" xmlns="" val="1"/>
+                <adec:decorative xmlns:adec="http://schemas.microsoft.com/office/drawing/2017/decorative" val="1"/>
               </a:ext>
             </a:extLst>
           </p:cNvPr>
@@ -14113,7 +14762,7 @@
                   <a16:creationId xmlns:a16="http://schemas.microsoft.com/office/drawing/2014/main" id="{551A06BE-4DC9-42C3-9272-4EF3E833D5F5}"/>
                 </a:ext>
                 <a:ext uri="{C183D7F6-B498-43B3-948B-1728B52AA6E4}">
-                  <adec:decorative xmlns:adec="http://schemas.microsoft.com/office/drawing/2017/decorative" xmlns="" val="1"/>
+                  <adec:decorative xmlns:adec="http://schemas.microsoft.com/office/drawing/2017/decorative" val="1"/>
                 </a:ext>
               </a:extLst>
             </p:cNvPr>
@@ -14185,7 +14834,7 @@
                   <a16:creationId xmlns:a16="http://schemas.microsoft.com/office/drawing/2014/main" id="{42A4A83C-0C6B-4A7C-B582-33988B027F16}"/>
                 </a:ext>
                 <a:ext uri="{C183D7F6-B498-43B3-948B-1728B52AA6E4}">
-                  <adec:decorative xmlns:adec="http://schemas.microsoft.com/office/drawing/2017/decorative" xmlns="" val="1"/>
+                  <adec:decorative xmlns:adec="http://schemas.microsoft.com/office/drawing/2017/decorative" val="1"/>
                 </a:ext>
               </a:extLst>
             </p:cNvPr>
@@ -14198,7 +14847,7 @@
             <a:blip r:embed="rId5">
               <a:extLst>
                 <a:ext uri="{96DAC541-7B7A-43D3-8B79-37D633B846F1}">
-                  <asvg:svgBlip xmlns:asvg="http://schemas.microsoft.com/office/drawing/2016/SVG/main" xmlns="" r:embed="rId6"/>
+                  <asvg:svgBlip xmlns:asvg="http://schemas.microsoft.com/office/drawing/2016/SVG/main" r:embed="rId6"/>
                 </a:ext>
               </a:extLst>
             </a:blip>
@@ -14224,7 +14873,7 @@
                   <a16:creationId xmlns:a16="http://schemas.microsoft.com/office/drawing/2014/main" id="{6568F216-4DE5-421A-A222-041B654BB87E}"/>
                 </a:ext>
                 <a:ext uri="{C183D7F6-B498-43B3-948B-1728B52AA6E4}">
-                  <adec:decorative xmlns:adec="http://schemas.microsoft.com/office/drawing/2017/decorative" xmlns="" val="1"/>
+                  <adec:decorative xmlns:adec="http://schemas.microsoft.com/office/drawing/2017/decorative" val="1"/>
                 </a:ext>
               </a:extLst>
             </p:cNvPr>
@@ -14305,7 +14954,7 @@
           <a:lstStyle/>
           <a:p>
             <a:r>
-              <a:rPr lang="en-US" dirty="0" smtClean="0"/>
+              <a:rPr lang="en-US" dirty="0"/>
               <a:t>Questions.</a:t>
             </a:r>
             <a:endParaRPr lang="en-US" dirty="0">
@@ -14526,10 +15175,9 @@
           <a:p>
             <a:pPr algn="ctr"/>
             <a:r>
-              <a:rPr lang="en-US" dirty="0" smtClean="0"/>
+              <a:rPr lang="en-US" dirty="0"/>
               <a:t>Answers?</a:t>
             </a:r>
-            <a:endParaRPr lang="en-US" dirty="0" smtClean="0"/>
           </a:p>
         </p:txBody>
       </p:sp>
@@ -14554,10 +15202,7 @@
           <a:bodyPr/>
           <a:lstStyle/>
           <a:p>
-            <a:r>
-              <a:rPr lang="en-US" dirty="0"/>
-              <a:t>Add a Footer</a:t>
-            </a:r>
+            <a:endParaRPr lang="en-US" dirty="0"/>
           </a:p>
         </p:txBody>
       </p:sp>
@@ -14674,7 +15319,7 @@
             <a:fld id="{8C2E478F-E849-4A8C-AF1F-CBCC78A7CBFA}" type="slidenum">
               <a:rPr lang="en-US" smtClean="0"/>
               <a:pPr/>
-              <a:t>16</a:t>
+              <a:t>17</a:t>
             </a:fld>
             <a:endParaRPr lang="en-US" dirty="0"/>
           </a:p>
@@ -14690,585 +15335,18 @@
   <p:clrMapOvr>
     <a:masterClrMapping/>
   </p:clrMapOvr>
-  <mc:AlternateContent xmlns:mc="http://schemas.openxmlformats.org/markup-compatibility/2006">
-    <mc:Choice xmlns:p14="http://schemas.microsoft.com/office/powerpoint/2010/main" Requires="p14">
+  <mc:AlternateContent xmlns:mc="http://schemas.openxmlformats.org/markup-compatibility/2006" xmlns:p14="http://schemas.microsoft.com/office/powerpoint/2010/main">
+    <mc:Choice Requires="p14">
       <p:transition spd="slow" p14:dur="1400">
         <p14:doors dir="vert"/>
       </p:transition>
     </mc:Choice>
-    <mc:Fallback>
+    <mc:Fallback xmlns="">
       <p:transition spd="slow">
         <p:fade/>
       </p:transition>
     </mc:Fallback>
   </mc:AlternateContent>
-  <p:timing>
-    <p:tnLst>
-      <p:par>
-        <p:cTn id="1" dur="indefinite" restart="never" nodeType="tmRoot"/>
-      </p:par>
-    </p:tnLst>
-  </p:timing>
-</p:sld>
-</file>
-
-<file path=ppt/slides/slide17.xml><?xml version="1.0" encoding="utf-8"?>
-<p:sld xmlns:a="http://schemas.openxmlformats.org/drawingml/2006/main" xmlns:r="http://schemas.openxmlformats.org/officeDocument/2006/relationships" xmlns:p="http://schemas.openxmlformats.org/presentationml/2006/main">
-  <p:cSld>
-    <p:bg>
-      <p:bgPr>
-        <a:solidFill>
-          <a:srgbClr val="2F3342"/>
-        </a:solidFill>
-        <a:effectLst/>
-      </p:bgPr>
-    </p:bg>
-    <p:spTree>
-      <p:nvGrpSpPr>
-        <p:cNvPr id="1" name=""/>
-        <p:cNvGrpSpPr/>
-        <p:nvPr/>
-      </p:nvGrpSpPr>
-      <p:grpSpPr>
-        <a:xfrm>
-          <a:off x="0" y="0"/>
-          <a:ext cx="0" cy="0"/>
-          <a:chOff x="0" y="0"/>
-          <a:chExt cx="0" cy="0"/>
-        </a:xfrm>
-      </p:grpSpPr>
-      <p:pic>
-        <p:nvPicPr>
-          <p:cNvPr id="5" name="Picture Placeholder 4" descr="Triangular design ceiling">
-            <a:extLst>
-              <a:ext uri="{FF2B5EF4-FFF2-40B4-BE49-F238E27FC236}">
-                <a16:creationId xmlns:a16="http://schemas.microsoft.com/office/drawing/2014/main" id="{ECE6809B-9586-4FFC-9D20-26C51CA9653B}"/>
-              </a:ext>
-            </a:extLst>
-          </p:cNvPr>
-          <p:cNvPicPr>
-            <a:picLocks noGrp="1" noChangeAspect="1"/>
-          </p:cNvPicPr>
-          <p:nvPr>
-            <p:ph type="pic" sz="quarter" idx="15"/>
-          </p:nvPr>
-        </p:nvPicPr>
-        <p:blipFill>
-          <a:blip r:embed="rId2">
-            <a:extLst>
-              <a:ext uri="{28A0092B-C50C-407E-A947-70E740481C1C}">
-                <a14:useLocalDpi xmlns:a14="http://schemas.microsoft.com/office/drawing/2010/main" val="0"/>
-              </a:ext>
-            </a:extLst>
-          </a:blip>
-          <a:srcRect/>
-          <a:stretch>
-            <a:fillRect/>
-          </a:stretch>
-        </p:blipFill>
-        <p:spPr/>
-      </p:pic>
-      <p:sp>
-        <p:nvSpPr>
-          <p:cNvPr id="35" name="Rectangle 34">
-            <a:extLst>
-              <a:ext uri="{FF2B5EF4-FFF2-40B4-BE49-F238E27FC236}">
-                <a16:creationId xmlns:a16="http://schemas.microsoft.com/office/drawing/2014/main" id="{B6C8E487-ADDC-4F1B-A30A-BAABB4998F49}"/>
-              </a:ext>
-              <a:ext uri="{C183D7F6-B498-43B3-948B-1728B52AA6E4}">
-                <adec:decorative xmlns:adec="http://schemas.microsoft.com/office/drawing/2017/decorative" xmlns="" val="1"/>
-              </a:ext>
-            </a:extLst>
-          </p:cNvPr>
-          <p:cNvSpPr/>
-          <p:nvPr/>
-        </p:nvSpPr>
-        <p:spPr>
-          <a:xfrm>
-            <a:off x="-35508" y="20298"/>
-            <a:ext cx="12192000" cy="6858000"/>
-          </a:xfrm>
-          <a:prstGeom prst="rect">
-            <a:avLst/>
-          </a:prstGeom>
-          <a:solidFill>
-            <a:srgbClr val="2F3342">
-              <a:alpha val="50000"/>
-            </a:srgbClr>
-          </a:solidFill>
-          <a:ln>
-            <a:noFill/>
-          </a:ln>
-        </p:spPr>
-        <p:style>
-          <a:lnRef idx="2">
-            <a:schemeClr val="accent1">
-              <a:shade val="50000"/>
-            </a:schemeClr>
-          </a:lnRef>
-          <a:fillRef idx="1">
-            <a:schemeClr val="accent1"/>
-          </a:fillRef>
-          <a:effectRef idx="0">
-            <a:schemeClr val="accent1"/>
-          </a:effectRef>
-          <a:fontRef idx="minor">
-            <a:schemeClr val="lt1"/>
-          </a:fontRef>
-        </p:style>
-        <p:txBody>
-          <a:bodyPr rtlCol="0" anchor="ctr"/>
-          <a:lstStyle/>
-          <a:p>
-            <a:pPr algn="ctr"/>
-            <a:endParaRPr lang="en-US" dirty="0"/>
-          </a:p>
-        </p:txBody>
-      </p:sp>
-      <p:grpSp>
-        <p:nvGrpSpPr>
-          <p:cNvPr id="40" name="Group 39">
-            <a:extLst>
-              <a:ext uri="{FF2B5EF4-FFF2-40B4-BE49-F238E27FC236}">
-                <a16:creationId xmlns:a16="http://schemas.microsoft.com/office/drawing/2014/main" id="{11BEC607-8474-408E-A7AC-48A065F31B63}"/>
-              </a:ext>
-              <a:ext uri="{C183D7F6-B498-43B3-948B-1728B52AA6E4}">
-                <adec:decorative xmlns:adec="http://schemas.microsoft.com/office/drawing/2017/decorative" xmlns="" val="1"/>
-              </a:ext>
-            </a:extLst>
-          </p:cNvPr>
-          <p:cNvGrpSpPr/>
-          <p:nvPr/>
-        </p:nvGrpSpPr>
-        <p:grpSpPr>
-          <a:xfrm flipH="1">
-            <a:off x="2076202" y="1374276"/>
-            <a:ext cx="7324426" cy="3883523"/>
-            <a:chOff x="252031" y="-22763"/>
-            <a:chExt cx="7324426" cy="7269964"/>
-          </a:xfrm>
-        </p:grpSpPr>
-        <p:sp>
-          <p:nvSpPr>
-            <p:cNvPr id="42" name="Rectangle 41">
-              <a:extLst>
-                <a:ext uri="{FF2B5EF4-FFF2-40B4-BE49-F238E27FC236}">
-                  <a16:creationId xmlns:a16="http://schemas.microsoft.com/office/drawing/2014/main" id="{B601E3FC-2016-4085-9A4B-A172702EAAE1}"/>
-                </a:ext>
-                <a:ext uri="{C183D7F6-B498-43B3-948B-1728B52AA6E4}">
-                  <adec:decorative xmlns:adec="http://schemas.microsoft.com/office/drawing/2017/decorative" xmlns="" val="1"/>
-                </a:ext>
-              </a:extLst>
-            </p:cNvPr>
-            <p:cNvSpPr/>
-            <p:nvPr userDrawn="1"/>
-          </p:nvSpPr>
-          <p:spPr>
-            <a:xfrm>
-              <a:off x="979714" y="1181211"/>
-              <a:ext cx="6117771" cy="6065990"/>
-            </a:xfrm>
-            <a:prstGeom prst="rect">
-              <a:avLst/>
-            </a:prstGeom>
-            <a:gradFill>
-              <a:gsLst>
-                <a:gs pos="0">
-                  <a:srgbClr val="038B30">
-                    <a:alpha val="70000"/>
-                  </a:srgbClr>
-                </a:gs>
-                <a:gs pos="100000">
-                  <a:srgbClr val="C0F400">
-                    <a:alpha val="70000"/>
-                  </a:srgbClr>
-                </a:gs>
-                <a:gs pos="50000">
-                  <a:srgbClr val="05EE55">
-                    <a:alpha val="70000"/>
-                  </a:srgbClr>
-                </a:gs>
-              </a:gsLst>
-              <a:lin ang="16200000" scaled="1"/>
-            </a:gradFill>
-            <a:ln>
-              <a:noFill/>
-            </a:ln>
-          </p:spPr>
-          <p:style>
-            <a:lnRef idx="2">
-              <a:schemeClr val="accent1">
-                <a:shade val="50000"/>
-              </a:schemeClr>
-            </a:lnRef>
-            <a:fillRef idx="1">
-              <a:schemeClr val="accent1"/>
-            </a:fillRef>
-            <a:effectRef idx="0">
-              <a:schemeClr val="accent1"/>
-            </a:effectRef>
-            <a:fontRef idx="minor">
-              <a:schemeClr val="lt1"/>
-            </a:fontRef>
-          </p:style>
-          <p:txBody>
-            <a:bodyPr rtlCol="0" anchor="ctr"/>
-            <a:lstStyle/>
-            <a:p>
-              <a:pPr algn="ctr"/>
-              <a:endParaRPr lang="en-US" dirty="0"/>
-            </a:p>
-          </p:txBody>
-        </p:sp>
-        <p:sp>
-          <p:nvSpPr>
-            <p:cNvPr id="41" name="Rectangle 40">
-              <a:extLst>
-                <a:ext uri="{FF2B5EF4-FFF2-40B4-BE49-F238E27FC236}">
-                  <a16:creationId xmlns:a16="http://schemas.microsoft.com/office/drawing/2014/main" id="{2CBF662F-A198-4AD3-8EBC-0EC9A52B2994}"/>
-                </a:ext>
-                <a:ext uri="{C183D7F6-B498-43B3-948B-1728B52AA6E4}">
-                  <adec:decorative xmlns:adec="http://schemas.microsoft.com/office/drawing/2017/decorative" xmlns="" val="1"/>
-                </a:ext>
-              </a:extLst>
-            </p:cNvPr>
-            <p:cNvSpPr/>
-            <p:nvPr userDrawn="1"/>
-          </p:nvSpPr>
-          <p:spPr>
-            <a:xfrm>
-              <a:off x="500743" y="-22763"/>
-              <a:ext cx="7075714" cy="5878284"/>
-            </a:xfrm>
-            <a:prstGeom prst="rect">
-              <a:avLst/>
-            </a:prstGeom>
-            <a:noFill/>
-            <a:ln w="127000">
-              <a:solidFill>
-                <a:schemeClr val="bg1"/>
-              </a:solidFill>
-            </a:ln>
-          </p:spPr>
-          <p:style>
-            <a:lnRef idx="2">
-              <a:schemeClr val="accent1">
-                <a:shade val="50000"/>
-              </a:schemeClr>
-            </a:lnRef>
-            <a:fillRef idx="1">
-              <a:schemeClr val="accent1"/>
-            </a:fillRef>
-            <a:effectRef idx="0">
-              <a:schemeClr val="accent1"/>
-            </a:effectRef>
-            <a:fontRef idx="minor">
-              <a:schemeClr val="lt1"/>
-            </a:fontRef>
-          </p:style>
-          <p:txBody>
-            <a:bodyPr rtlCol="0" anchor="ctr"/>
-            <a:lstStyle/>
-            <a:p>
-              <a:pPr algn="ctr"/>
-              <a:endParaRPr lang="en-US" dirty="0"/>
-            </a:p>
-          </p:txBody>
-        </p:sp>
-        <p:sp>
-          <p:nvSpPr>
-            <p:cNvPr id="43" name="Rectangle 42">
-              <a:extLst>
-                <a:ext uri="{FF2B5EF4-FFF2-40B4-BE49-F238E27FC236}">
-                  <a16:creationId xmlns:a16="http://schemas.microsoft.com/office/drawing/2014/main" id="{142E86C5-8E5F-4620-A4FB-D1F926179D18}"/>
-                </a:ext>
-                <a:ext uri="{C183D7F6-B498-43B3-948B-1728B52AA6E4}">
-                  <adec:decorative xmlns:adec="http://schemas.microsoft.com/office/drawing/2017/decorative" xmlns="" val="1"/>
-                </a:ext>
-              </a:extLst>
-            </p:cNvPr>
-            <p:cNvSpPr/>
-            <p:nvPr userDrawn="1"/>
-          </p:nvSpPr>
-          <p:spPr>
-            <a:xfrm>
-              <a:off x="252031" y="655467"/>
-              <a:ext cx="6475341" cy="5701790"/>
-            </a:xfrm>
-            <a:prstGeom prst="rect">
-              <a:avLst/>
-            </a:prstGeom>
-            <a:solidFill>
-              <a:srgbClr val="2F3342"/>
-            </a:solidFill>
-            <a:ln>
-              <a:noFill/>
-            </a:ln>
-          </p:spPr>
-          <p:style>
-            <a:lnRef idx="2">
-              <a:schemeClr val="accent1">
-                <a:shade val="50000"/>
-              </a:schemeClr>
-            </a:lnRef>
-            <a:fillRef idx="1">
-              <a:schemeClr val="accent1"/>
-            </a:fillRef>
-            <a:effectRef idx="0">
-              <a:schemeClr val="accent1"/>
-            </a:effectRef>
-            <a:fontRef idx="minor">
-              <a:schemeClr val="lt1"/>
-            </a:fontRef>
-          </p:style>
-          <p:txBody>
-            <a:bodyPr rtlCol="0" anchor="ctr"/>
-            <a:lstStyle/>
-            <a:p>
-              <a:pPr algn="ctr"/>
-              <a:endParaRPr lang="en-US" dirty="0"/>
-            </a:p>
-          </p:txBody>
-        </p:sp>
-      </p:grpSp>
-      <p:sp>
-        <p:nvSpPr>
-          <p:cNvPr id="6" name="Title 5">
-            <a:extLst>
-              <a:ext uri="{FF2B5EF4-FFF2-40B4-BE49-F238E27FC236}">
-                <a16:creationId xmlns:a16="http://schemas.microsoft.com/office/drawing/2014/main" id="{7E0E8055-17FA-43CE-9F03-E712F496B7CF}"/>
-              </a:ext>
-            </a:extLst>
-          </p:cNvPr>
-          <p:cNvSpPr>
-            <a:spLocks noGrp="1"/>
-          </p:cNvSpPr>
-          <p:nvPr>
-            <p:ph type="ctrTitle"/>
-          </p:nvPr>
-        </p:nvSpPr>
-        <p:spPr/>
-        <p:txBody>
-          <a:bodyPr anchor="ctr"/>
-          <a:lstStyle/>
-          <a:p>
-            <a:r>
-              <a:rPr lang="en-US" dirty="0"/>
-              <a:t>THANK YOU</a:t>
-            </a:r>
-          </a:p>
-        </p:txBody>
-      </p:sp>
-      <p:sp>
-        <p:nvSpPr>
-          <p:cNvPr id="10" name="Subtitle 9">
-            <a:extLst>
-              <a:ext uri="{FF2B5EF4-FFF2-40B4-BE49-F238E27FC236}">
-                <a16:creationId xmlns:a16="http://schemas.microsoft.com/office/drawing/2014/main" id="{3E9BAE4F-16CE-4F5D-9BC7-2CB992790F2F}"/>
-              </a:ext>
-            </a:extLst>
-          </p:cNvPr>
-          <p:cNvSpPr>
-            <a:spLocks noGrp="1"/>
-          </p:cNvSpPr>
-          <p:nvPr>
-            <p:ph type="subTitle" idx="1"/>
-          </p:nvPr>
-        </p:nvSpPr>
-        <p:spPr/>
-        <p:txBody>
-          <a:bodyPr/>
-          <a:lstStyle/>
-          <a:p>
-            <a:r>
-              <a:rPr lang="en-US" dirty="0" smtClean="0"/>
-              <a:t>Spring 2020 Capstone Project</a:t>
-            </a:r>
-            <a:endParaRPr lang="en-US" dirty="0"/>
-          </a:p>
-        </p:txBody>
-      </p:sp>
-      <p:sp>
-        <p:nvSpPr>
-          <p:cNvPr id="2" name="Footer Placeholder 1">
-            <a:extLst>
-              <a:ext uri="{FF2B5EF4-FFF2-40B4-BE49-F238E27FC236}">
-                <a16:creationId xmlns:a16="http://schemas.microsoft.com/office/drawing/2014/main" id="{9FE3A4F2-29CE-4C57-A172-6A0D63EFD700}"/>
-              </a:ext>
-            </a:extLst>
-          </p:cNvPr>
-          <p:cNvSpPr>
-            <a:spLocks noGrp="1"/>
-          </p:cNvSpPr>
-          <p:nvPr>
-            <p:ph type="ftr" sz="quarter" idx="4294967295"/>
-          </p:nvPr>
-        </p:nvSpPr>
-        <p:spPr>
-          <a:xfrm>
-            <a:off x="595884" y="6468303"/>
-            <a:ext cx="4114800" cy="365125"/>
-          </a:xfrm>
-        </p:spPr>
-        <p:txBody>
-          <a:bodyPr/>
-          <a:lstStyle/>
-          <a:p>
-            <a:r>
-              <a:rPr lang="en-US" dirty="0"/>
-              <a:t>Add a Footer</a:t>
-            </a:r>
-          </a:p>
-        </p:txBody>
-      </p:sp>
-      <p:sp>
-        <p:nvSpPr>
-          <p:cNvPr id="25" name="Rectangle: Single Corner Snipped 24" descr="Footer accent box">
-            <a:extLst>
-              <a:ext uri="{FF2B5EF4-FFF2-40B4-BE49-F238E27FC236}">
-                <a16:creationId xmlns:a16="http://schemas.microsoft.com/office/drawing/2014/main" id="{ADA66B68-D364-4C11-9AA9-052CEAC914E1}"/>
-              </a:ext>
-            </a:extLst>
-          </p:cNvPr>
-          <p:cNvSpPr/>
-          <p:nvPr/>
-        </p:nvSpPr>
-        <p:spPr>
-          <a:xfrm flipH="1">
-            <a:off x="11549269" y="6356350"/>
-            <a:ext cx="642731" cy="501650"/>
-          </a:xfrm>
-          <a:prstGeom prst="snip1Rect">
-            <a:avLst/>
-          </a:prstGeom>
-          <a:gradFill>
-            <a:gsLst>
-              <a:gs pos="0">
-                <a:srgbClr val="038B30">
-                  <a:alpha val="70000"/>
-                </a:srgbClr>
-              </a:gs>
-              <a:gs pos="50000">
-                <a:srgbClr val="05EE55">
-                  <a:alpha val="70000"/>
-                </a:srgbClr>
-              </a:gs>
-              <a:gs pos="100000">
-                <a:srgbClr val="C0F400">
-                  <a:alpha val="70000"/>
-                </a:srgbClr>
-              </a:gs>
-            </a:gsLst>
-            <a:lin ang="5400000" scaled="1"/>
-          </a:gradFill>
-          <a:ln>
-            <a:noFill/>
-          </a:ln>
-        </p:spPr>
-        <p:style>
-          <a:lnRef idx="2">
-            <a:schemeClr val="accent1">
-              <a:shade val="50000"/>
-            </a:schemeClr>
-          </a:lnRef>
-          <a:fillRef idx="1">
-            <a:schemeClr val="accent1"/>
-          </a:fillRef>
-          <a:effectRef idx="0">
-            <a:schemeClr val="accent1"/>
-          </a:effectRef>
-          <a:fontRef idx="minor">
-            <a:schemeClr val="lt1"/>
-          </a:fontRef>
-        </p:style>
-        <p:txBody>
-          <a:bodyPr rtlCol="0" anchor="ctr"/>
-          <a:lstStyle/>
-          <a:p>
-            <a:pPr algn="ctr"/>
-            <a:endParaRPr lang="en-US" dirty="0">
-              <a:solidFill>
-                <a:schemeClr val="bg1"/>
-              </a:solidFill>
-            </a:endParaRPr>
-          </a:p>
-        </p:txBody>
-      </p:sp>
-      <p:sp>
-        <p:nvSpPr>
-          <p:cNvPr id="26" name="Slide Number Placeholder 5">
-            <a:extLst>
-              <a:ext uri="{FF2B5EF4-FFF2-40B4-BE49-F238E27FC236}">
-                <a16:creationId xmlns:a16="http://schemas.microsoft.com/office/drawing/2014/main" id="{7B17F9E2-0E31-4010-80D8-F343F24E6E14}"/>
-              </a:ext>
-            </a:extLst>
-          </p:cNvPr>
-          <p:cNvSpPr>
-            <a:spLocks noGrp="1"/>
-          </p:cNvSpPr>
-          <p:nvPr>
-            <p:ph type="sldNum" sz="quarter" idx="4294967295"/>
-          </p:nvPr>
-        </p:nvSpPr>
-        <p:spPr>
-          <a:xfrm>
-            <a:off x="11549268" y="6413649"/>
-            <a:ext cx="642731" cy="407804"/>
-          </a:xfrm>
-          <a:prstGeom prst="rect">
-            <a:avLst/>
-          </a:prstGeom>
-        </p:spPr>
-        <p:txBody>
-          <a:bodyPr vert="horz" lIns="91440" tIns="45720" rIns="91440" bIns="45720" rtlCol="0" anchor="ctr"/>
-          <a:lstStyle>
-            <a:lvl1pPr algn="ctr">
-              <a:defRPr sz="1200">
-                <a:solidFill>
-                  <a:schemeClr val="bg1"/>
-                </a:solidFill>
-              </a:defRPr>
-            </a:lvl1pPr>
-          </a:lstStyle>
-          <a:p>
-            <a:fld id="{8C2E478F-E849-4A8C-AF1F-CBCC78A7CBFA}" type="slidenum">
-              <a:rPr lang="en-US" smtClean="0"/>
-              <a:pPr/>
-              <a:t>17</a:t>
-            </a:fld>
-            <a:endParaRPr lang="en-US" dirty="0"/>
-          </a:p>
-        </p:txBody>
-      </p:sp>
-    </p:spTree>
-    <p:extLst>
-      <p:ext uri="{BB962C8B-B14F-4D97-AF65-F5344CB8AC3E}">
-        <p14:creationId xmlns:p14="http://schemas.microsoft.com/office/powerpoint/2010/main" val="207078912"/>
-      </p:ext>
-    </p:extLst>
-  </p:cSld>
-  <p:clrMapOvr>
-    <a:masterClrMapping/>
-  </p:clrMapOvr>
-  <mc:AlternateContent xmlns:mc="http://schemas.openxmlformats.org/markup-compatibility/2006">
-    <mc:Choice xmlns:p14="http://schemas.microsoft.com/office/powerpoint/2010/main" Requires="p14">
-      <p:transition spd="slow" p14:dur="1400">
-        <p14:doors dir="vert"/>
-      </p:transition>
-    </mc:Choice>
-    <mc:Fallback>
-      <p:transition spd="slow">
-        <p:fade/>
-      </p:transition>
-    </mc:Fallback>
-  </mc:AlternateContent>
-  <p:timing>
-    <p:tnLst>
-      <p:par>
-        <p:cTn id="1" dur="indefinite" restart="never" nodeType="tmRoot"/>
-      </p:par>
-    </p:tnLst>
-  </p:timing>
 </p:sld>
 </file>
 
@@ -15337,7 +15415,7 @@
                 <a16:creationId xmlns:a16="http://schemas.microsoft.com/office/drawing/2014/main" id="{1101DF86-6B00-49D3-9EFB-456055F79899}"/>
               </a:ext>
               <a:ext uri="{C183D7F6-B498-43B3-948B-1728B52AA6E4}">
-                <adec:decorative xmlns:adec="http://schemas.microsoft.com/office/drawing/2017/decorative" xmlns="" val="1"/>
+                <adec:decorative xmlns:adec="http://schemas.microsoft.com/office/drawing/2017/decorative" val="1"/>
               </a:ext>
             </a:extLst>
           </p:cNvPr>
@@ -15360,7 +15438,7 @@
                   <a16:creationId xmlns:a16="http://schemas.microsoft.com/office/drawing/2014/main" id="{551A06BE-4DC9-42C3-9272-4EF3E833D5F5}"/>
                 </a:ext>
                 <a:ext uri="{C183D7F6-B498-43B3-948B-1728B52AA6E4}">
-                  <adec:decorative xmlns:adec="http://schemas.microsoft.com/office/drawing/2017/decorative" xmlns="" val="1"/>
+                  <adec:decorative xmlns:adec="http://schemas.microsoft.com/office/drawing/2017/decorative" val="1"/>
                 </a:ext>
               </a:extLst>
             </p:cNvPr>
@@ -15432,7 +15510,7 @@
                   <a16:creationId xmlns:a16="http://schemas.microsoft.com/office/drawing/2014/main" id="{42A4A83C-0C6B-4A7C-B582-33988B027F16}"/>
                 </a:ext>
                 <a:ext uri="{C183D7F6-B498-43B3-948B-1728B52AA6E4}">
-                  <adec:decorative xmlns:adec="http://schemas.microsoft.com/office/drawing/2017/decorative" xmlns="" val="1"/>
+                  <adec:decorative xmlns:adec="http://schemas.microsoft.com/office/drawing/2017/decorative" val="1"/>
                 </a:ext>
               </a:extLst>
             </p:cNvPr>
@@ -15445,7 +15523,7 @@
             <a:blip r:embed="rId5">
               <a:extLst>
                 <a:ext uri="{96DAC541-7B7A-43D3-8B79-37D633B846F1}">
-                  <asvg:svgBlip xmlns:asvg="http://schemas.microsoft.com/office/drawing/2016/SVG/main" xmlns="" r:embed="rId6"/>
+                  <asvg:svgBlip xmlns:asvg="http://schemas.microsoft.com/office/drawing/2016/SVG/main" r:embed="rId6"/>
                 </a:ext>
               </a:extLst>
             </a:blip>
@@ -15471,7 +15549,7 @@
                   <a16:creationId xmlns:a16="http://schemas.microsoft.com/office/drawing/2014/main" id="{6568F216-4DE5-421A-A222-041B654BB87E}"/>
                 </a:ext>
                 <a:ext uri="{C183D7F6-B498-43B3-948B-1728B52AA6E4}">
-                  <adec:decorative xmlns:adec="http://schemas.microsoft.com/office/drawing/2017/decorative" xmlns="" val="1"/>
+                  <adec:decorative xmlns:adec="http://schemas.microsoft.com/office/drawing/2017/decorative" val="1"/>
                 </a:ext>
               </a:extLst>
             </p:cNvPr>
@@ -15552,18 +15630,13 @@
           <a:lstStyle/>
           <a:p>
             <a:r>
-              <a:rPr lang="en-US" dirty="0" smtClean="0">
+              <a:rPr lang="en-US" dirty="0">
                 <a:solidFill>
                   <a:schemeClr val="bg1"/>
                 </a:solidFill>
               </a:rPr>
               <a:t>Who WE Are</a:t>
             </a:r>
-            <a:endParaRPr lang="en-US" dirty="0">
-              <a:solidFill>
-                <a:schemeClr val="bg1"/>
-              </a:solidFill>
-            </a:endParaRPr>
           </a:p>
         </p:txBody>
       </p:sp>
@@ -15724,25 +15797,18 @@
   <p:clrMapOvr>
     <a:masterClrMapping/>
   </p:clrMapOvr>
-  <mc:AlternateContent xmlns:mc="http://schemas.openxmlformats.org/markup-compatibility/2006">
-    <mc:Choice xmlns:p14="http://schemas.microsoft.com/office/powerpoint/2010/main" Requires="p14">
+  <mc:AlternateContent xmlns:mc="http://schemas.openxmlformats.org/markup-compatibility/2006" xmlns:p14="http://schemas.microsoft.com/office/powerpoint/2010/main">
+    <mc:Choice Requires="p14">
       <p:transition spd="slow" p14:dur="1400">
         <p14:doors dir="vert"/>
       </p:transition>
     </mc:Choice>
-    <mc:Fallback>
+    <mc:Fallback xmlns="">
       <p:transition spd="slow">
         <p:fade/>
       </p:transition>
     </mc:Fallback>
   </mc:AlternateContent>
-  <p:timing>
-    <p:tnLst>
-      <p:par>
-        <p:cTn id="1" dur="indefinite" restart="never" nodeType="tmRoot"/>
-      </p:par>
-    </p:tnLst>
-  </p:timing>
 </p:sld>
 </file>
 
@@ -15785,34 +15851,12 @@
           <a:lstStyle/>
           <a:p>
             <a:r>
-              <a:rPr lang="en-US" dirty="0" smtClean="0"/>
+              <a:rPr lang="en-US" dirty="0"/>
               <a:t>Ethan </a:t>
             </a:r>
             <a:r>
-              <a:rPr lang="en-US" dirty="0" err="1" smtClean="0"/>
+              <a:rPr lang="en-US" dirty="0" err="1"/>
               <a:t>Treece</a:t>
-            </a:r>
-            <a:endParaRPr lang="en-US" dirty="0" smtClean="0"/>
-          </a:p>
-          <a:p>
-            <a:pPr lvl="1"/>
-            <a:r>
-              <a:rPr lang="en-US" dirty="0" smtClean="0"/>
-              <a:t>Computer Information Science</a:t>
-            </a:r>
-          </a:p>
-          <a:p>
-            <a:pPr lvl="1"/>
-            <a:r>
-              <a:rPr lang="en-US" dirty="0" smtClean="0"/>
-              <a:t>May 2020</a:t>
-            </a:r>
-            <a:endParaRPr lang="en-US" dirty="0"/>
-          </a:p>
-          <a:p>
-            <a:r>
-              <a:rPr lang="en-US" dirty="0" smtClean="0"/>
-              <a:t>Nick Schneider</a:t>
             </a:r>
             <a:endParaRPr lang="en-US" dirty="0"/>
           </a:p>
@@ -15829,7 +15873,26 @@
               <a:rPr lang="en-US" dirty="0"/>
               <a:t>May 2020</a:t>
             </a:r>
-            <a:endParaRPr lang="en-US" dirty="0"/>
+          </a:p>
+          <a:p>
+            <a:r>
+              <a:rPr lang="en-US" dirty="0"/>
+              <a:t>Nick Schneider</a:t>
+            </a:r>
+          </a:p>
+          <a:p>
+            <a:pPr lvl="1"/>
+            <a:r>
+              <a:rPr lang="en-US" dirty="0"/>
+              <a:t>Computer Information Science</a:t>
+            </a:r>
+          </a:p>
+          <a:p>
+            <a:pPr lvl="1"/>
+            <a:r>
+              <a:rPr lang="en-US" dirty="0"/>
+              <a:t>May 2020</a:t>
+            </a:r>
           </a:p>
         </p:txBody>
       </p:sp>
@@ -15886,10 +15949,9 @@
           <a:lstStyle/>
           <a:p>
             <a:r>
-              <a:rPr lang="en-US" dirty="0" smtClean="0"/>
+              <a:rPr lang="en-US" dirty="0"/>
               <a:t>David Leclerc</a:t>
             </a:r>
-            <a:endParaRPr lang="en-US" dirty="0"/>
           </a:p>
           <a:p>
             <a:pPr lvl="1"/>
@@ -15907,24 +15969,23 @@
           </a:p>
           <a:p>
             <a:r>
-              <a:rPr lang="en-US" dirty="0" smtClean="0"/>
+              <a:rPr lang="en-US" dirty="0"/>
               <a:t>Koen Rogers</a:t>
             </a:r>
           </a:p>
           <a:p>
             <a:pPr lvl="1"/>
             <a:r>
-              <a:rPr lang="en-US" dirty="0" smtClean="0"/>
+              <a:rPr lang="en-US" dirty="0"/>
               <a:t>Computer Information Science </a:t>
             </a:r>
           </a:p>
           <a:p>
             <a:pPr lvl="1"/>
             <a:r>
-              <a:rPr lang="en-US" dirty="0" smtClean="0"/>
+              <a:rPr lang="en-US" dirty="0"/>
               <a:t>May 2020</a:t>
             </a:r>
-            <a:endParaRPr lang="en-US" dirty="0"/>
           </a:p>
         </p:txBody>
       </p:sp>
@@ -16024,25 +16085,18 @@
   <p:clrMapOvr>
     <a:masterClrMapping/>
   </p:clrMapOvr>
-  <mc:AlternateContent xmlns:mc="http://schemas.openxmlformats.org/markup-compatibility/2006">
-    <mc:Choice xmlns:p14="http://schemas.microsoft.com/office/powerpoint/2010/main" Requires="p14">
+  <mc:AlternateContent xmlns:mc="http://schemas.openxmlformats.org/markup-compatibility/2006" xmlns:p14="http://schemas.microsoft.com/office/powerpoint/2010/main">
+    <mc:Choice Requires="p14">
       <p:transition spd="slow" p14:dur="1400">
         <p14:doors dir="vert"/>
       </p:transition>
     </mc:Choice>
-    <mc:Fallback>
+    <mc:Fallback xmlns="">
       <p:transition spd="slow">
         <p:fade/>
       </p:transition>
     </mc:Fallback>
   </mc:AlternateContent>
-  <p:timing>
-    <p:tnLst>
-      <p:par>
-        <p:cTn id="1" dur="indefinite" restart="never" nodeType="tmRoot"/>
-      </p:par>
-    </p:tnLst>
-  </p:timing>
 </p:sld>
 </file>
 
@@ -16116,7 +16170,7 @@
                 <a16:creationId xmlns:a16="http://schemas.microsoft.com/office/drawing/2014/main" id="{1101DF86-6B00-49D3-9EFB-456055F79899}"/>
               </a:ext>
               <a:ext uri="{C183D7F6-B498-43B3-948B-1728B52AA6E4}">
-                <adec:decorative xmlns:adec="http://schemas.microsoft.com/office/drawing/2017/decorative" xmlns="" val="1"/>
+                <adec:decorative xmlns:adec="http://schemas.microsoft.com/office/drawing/2017/decorative" val="1"/>
               </a:ext>
             </a:extLst>
           </p:cNvPr>
@@ -16139,7 +16193,7 @@
                   <a16:creationId xmlns:a16="http://schemas.microsoft.com/office/drawing/2014/main" id="{551A06BE-4DC9-42C3-9272-4EF3E833D5F5}"/>
                 </a:ext>
                 <a:ext uri="{C183D7F6-B498-43B3-948B-1728B52AA6E4}">
-                  <adec:decorative xmlns:adec="http://schemas.microsoft.com/office/drawing/2017/decorative" xmlns="" val="1"/>
+                  <adec:decorative xmlns:adec="http://schemas.microsoft.com/office/drawing/2017/decorative" val="1"/>
                 </a:ext>
               </a:extLst>
             </p:cNvPr>
@@ -16211,7 +16265,7 @@
                   <a16:creationId xmlns:a16="http://schemas.microsoft.com/office/drawing/2014/main" id="{42A4A83C-0C6B-4A7C-B582-33988B027F16}"/>
                 </a:ext>
                 <a:ext uri="{C183D7F6-B498-43B3-948B-1728B52AA6E4}">
-                  <adec:decorative xmlns:adec="http://schemas.microsoft.com/office/drawing/2017/decorative" xmlns="" val="1"/>
+                  <adec:decorative xmlns:adec="http://schemas.microsoft.com/office/drawing/2017/decorative" val="1"/>
                 </a:ext>
               </a:extLst>
             </p:cNvPr>
@@ -16224,7 +16278,7 @@
             <a:blip r:embed="rId5">
               <a:extLst>
                 <a:ext uri="{96DAC541-7B7A-43D3-8B79-37D633B846F1}">
-                  <asvg:svgBlip xmlns:asvg="http://schemas.microsoft.com/office/drawing/2016/SVG/main" xmlns="" r:embed="rId6"/>
+                  <asvg:svgBlip xmlns:asvg="http://schemas.microsoft.com/office/drawing/2016/SVG/main" r:embed="rId6"/>
                 </a:ext>
               </a:extLst>
             </a:blip>
@@ -16250,7 +16304,7 @@
                   <a16:creationId xmlns:a16="http://schemas.microsoft.com/office/drawing/2014/main" id="{6568F216-4DE5-421A-A222-041B654BB87E}"/>
                 </a:ext>
                 <a:ext uri="{C183D7F6-B498-43B3-948B-1728B52AA6E4}">
-                  <adec:decorative xmlns:adec="http://schemas.microsoft.com/office/drawing/2017/decorative" xmlns="" val="1"/>
+                  <adec:decorative xmlns:adec="http://schemas.microsoft.com/office/drawing/2017/decorative" val="1"/>
                 </a:ext>
               </a:extLst>
             </p:cNvPr>
@@ -16331,7 +16385,7 @@
           <a:lstStyle/>
           <a:p>
             <a:r>
-              <a:rPr lang="en-US" dirty="0" smtClean="0"/>
+              <a:rPr lang="en-US" dirty="0"/>
               <a:t>Who its For</a:t>
             </a:r>
             <a:endParaRPr lang="en-US" dirty="0">
@@ -16552,17 +16606,16 @@
           <a:p>
             <a:pPr algn="ctr"/>
             <a:r>
-              <a:rPr lang="en-US" dirty="0" smtClean="0"/>
+              <a:rPr lang="en-US" dirty="0"/>
               <a:t>Details About </a:t>
             </a:r>
           </a:p>
           <a:p>
             <a:pPr algn="ctr"/>
             <a:r>
-              <a:rPr lang="en-US" dirty="0" smtClean="0"/>
+              <a:rPr lang="en-US" dirty="0"/>
               <a:t>Client and Project</a:t>
             </a:r>
-            <a:endParaRPr lang="en-US" dirty="0"/>
           </a:p>
         </p:txBody>
       </p:sp>
@@ -16723,25 +16776,18 @@
   <p:clrMapOvr>
     <a:masterClrMapping/>
   </p:clrMapOvr>
-  <mc:AlternateContent xmlns:mc="http://schemas.openxmlformats.org/markup-compatibility/2006">
-    <mc:Choice xmlns:p14="http://schemas.microsoft.com/office/powerpoint/2010/main" Requires="p14">
+  <mc:AlternateContent xmlns:mc="http://schemas.openxmlformats.org/markup-compatibility/2006" xmlns:p14="http://schemas.microsoft.com/office/powerpoint/2010/main">
+    <mc:Choice Requires="p14">
       <p:transition spd="slow" p14:dur="1400">
         <p14:doors dir="vert"/>
       </p:transition>
     </mc:Choice>
-    <mc:Fallback>
+    <mc:Fallback xmlns="">
       <p:transition spd="slow">
         <p:fade/>
       </p:transition>
     </mc:Fallback>
   </mc:AlternateContent>
-  <p:timing>
-    <p:tnLst>
-      <p:par>
-        <p:cTn id="1" dur="indefinite" restart="never" nodeType="tmRoot"/>
-      </p:par>
-    </p:tnLst>
-  </p:timing>
 </p:sld>
 </file>
 
@@ -16810,7 +16856,7 @@
                 <a16:creationId xmlns:a16="http://schemas.microsoft.com/office/drawing/2014/main" id="{CDA17D7C-7C63-439C-8B50-C9B0F0F9AAF7}"/>
               </a:ext>
               <a:ext uri="{C183D7F6-B498-43B3-948B-1728B52AA6E4}">
-                <adec:decorative xmlns:adec="http://schemas.microsoft.com/office/drawing/2017/decorative" xmlns="" val="1"/>
+                <adec:decorative xmlns:adec="http://schemas.microsoft.com/office/drawing/2017/decorative" val="1"/>
               </a:ext>
             </a:extLst>
           </p:cNvPr>
@@ -16833,7 +16879,7 @@
                   <a16:creationId xmlns:a16="http://schemas.microsoft.com/office/drawing/2014/main" id="{C0DB13C1-B4FB-4D33-A199-5BB34983AB47}"/>
                 </a:ext>
                 <a:ext uri="{C183D7F6-B498-43B3-948B-1728B52AA6E4}">
-                  <adec:decorative xmlns:adec="http://schemas.microsoft.com/office/drawing/2017/decorative" xmlns="" val="1"/>
+                  <adec:decorative xmlns:adec="http://schemas.microsoft.com/office/drawing/2017/decorative" val="1"/>
                 </a:ext>
               </a:extLst>
             </p:cNvPr>
@@ -16905,7 +16951,7 @@
                   <a16:creationId xmlns:a16="http://schemas.microsoft.com/office/drawing/2014/main" id="{32FD79E9-DA87-4AE3-AB4F-454E8B1C7E28}"/>
                 </a:ext>
                 <a:ext uri="{C183D7F6-B498-43B3-948B-1728B52AA6E4}">
-                  <adec:decorative xmlns:adec="http://schemas.microsoft.com/office/drawing/2017/decorative" xmlns="" val="1"/>
+                  <adec:decorative xmlns:adec="http://schemas.microsoft.com/office/drawing/2017/decorative" val="1"/>
                 </a:ext>
               </a:extLst>
             </p:cNvPr>
@@ -16960,7 +17006,7 @@
                   <a16:creationId xmlns:a16="http://schemas.microsoft.com/office/drawing/2014/main" id="{97CAE694-E5D7-45D8-80CE-4067B6610E53}"/>
                 </a:ext>
                 <a:ext uri="{C183D7F6-B498-43B3-948B-1728B52AA6E4}">
-                  <adec:decorative xmlns:adec="http://schemas.microsoft.com/office/drawing/2017/decorative" xmlns="" val="1"/>
+                  <adec:decorative xmlns:adec="http://schemas.microsoft.com/office/drawing/2017/decorative" val="1"/>
                 </a:ext>
               </a:extLst>
             </p:cNvPr>
@@ -17030,10 +17076,9 @@
           <a:lstStyle/>
           <a:p>
             <a:r>
-              <a:rPr lang="en-US" dirty="0" smtClean="0"/>
+              <a:rPr lang="en-US" dirty="0"/>
               <a:t>Game World</a:t>
             </a:r>
-            <a:endParaRPr lang="en-US" dirty="0"/>
           </a:p>
         </p:txBody>
       </p:sp>
@@ -17059,10 +17104,9 @@
           <a:lstStyle/>
           <a:p>
             <a:r>
-              <a:rPr lang="en-US" dirty="0" smtClean="0"/>
+              <a:rPr lang="en-US" dirty="0"/>
               <a:t>Ronnie Duran</a:t>
             </a:r>
-            <a:endParaRPr lang="en-US" dirty="0"/>
           </a:p>
         </p:txBody>
       </p:sp>
@@ -17099,7 +17143,7 @@
             </a:pPr>
             <a:r>
               <a:rPr lang="en-US" dirty="0"/>
-              <a:t>This Capstone group is pleased to offer services and assists on a time and material basis. This SOW outlines the tasks required for the Capstone group to provide such services fore the project to Game World.</a:t>
+              <a:t>Design and Development a  functional modern IMS with data visual features and Pricing capabilities. </a:t>
             </a:r>
           </a:p>
           <a:p>
@@ -17377,10 +17421,9 @@
           </a:lstStyle>
           <a:p>
             <a:r>
-              <a:rPr lang="en-US" dirty="0" smtClean="0"/>
+              <a:rPr lang="en-US" dirty="0"/>
               <a:t>Project Details</a:t>
             </a:r>
-            <a:endParaRPr lang="en-US" dirty="0"/>
           </a:p>
         </p:txBody>
       </p:sp>
@@ -17581,10 +17624,19 @@
               <a:buNone/>
             </a:pPr>
             <a:r>
-              <a:rPr lang="en-US" dirty="0" smtClean="0"/>
-              <a:t>What's Game World about? </a:t>
-            </a:r>
-            <a:endParaRPr lang="en-US" dirty="0"/>
+              <a:rPr lang="en-US" dirty="0"/>
+              <a:t>Small business owner in Nixa Missouri who needs an updated  </a:t>
+            </a:r>
+          </a:p>
+          <a:p>
+            <a:pPr marL="0" indent="0">
+              <a:buFont typeface="Arial" panose="020B0604020202020204" pitchFamily="34" charset="0"/>
+              <a:buNone/>
+            </a:pPr>
+            <a:r>
+              <a:rPr lang="en-US" dirty="0"/>
+              <a:t>Inventory management system(IMS).  </a:t>
+            </a:r>
           </a:p>
         </p:txBody>
       </p:sp>
@@ -17598,25 +17650,18 @@
   <p:clrMapOvr>
     <a:masterClrMapping/>
   </p:clrMapOvr>
-  <mc:AlternateContent xmlns:mc="http://schemas.openxmlformats.org/markup-compatibility/2006">
-    <mc:Choice xmlns:p14="http://schemas.microsoft.com/office/powerpoint/2010/main" Requires="p14">
+  <mc:AlternateContent xmlns:mc="http://schemas.openxmlformats.org/markup-compatibility/2006" xmlns:p14="http://schemas.microsoft.com/office/powerpoint/2010/main">
+    <mc:Choice Requires="p14">
       <p:transition spd="slow" p14:dur="1400">
         <p14:doors dir="vert"/>
       </p:transition>
     </mc:Choice>
-    <mc:Fallback>
+    <mc:Fallback xmlns="">
       <p:transition spd="slow">
         <p:fade/>
       </p:transition>
     </mc:Fallback>
   </mc:AlternateContent>
-  <p:timing>
-    <p:tnLst>
-      <p:par>
-        <p:cTn id="1" dur="indefinite" restart="never" nodeType="tmRoot"/>
-      </p:par>
-    </p:tnLst>
-  </p:timing>
 </p:sld>
 </file>
 
@@ -17690,7 +17735,7 @@
                 <a16:creationId xmlns:a16="http://schemas.microsoft.com/office/drawing/2014/main" id="{1101DF86-6B00-49D3-9EFB-456055F79899}"/>
               </a:ext>
               <a:ext uri="{C183D7F6-B498-43B3-948B-1728B52AA6E4}">
-                <adec:decorative xmlns:adec="http://schemas.microsoft.com/office/drawing/2017/decorative" xmlns="" val="1"/>
+                <adec:decorative xmlns:adec="http://schemas.microsoft.com/office/drawing/2017/decorative" val="1"/>
               </a:ext>
             </a:extLst>
           </p:cNvPr>
@@ -17713,7 +17758,7 @@
                   <a16:creationId xmlns:a16="http://schemas.microsoft.com/office/drawing/2014/main" id="{551A06BE-4DC9-42C3-9272-4EF3E833D5F5}"/>
                 </a:ext>
                 <a:ext uri="{C183D7F6-B498-43B3-948B-1728B52AA6E4}">
-                  <adec:decorative xmlns:adec="http://schemas.microsoft.com/office/drawing/2017/decorative" xmlns="" val="1"/>
+                  <adec:decorative xmlns:adec="http://schemas.microsoft.com/office/drawing/2017/decorative" val="1"/>
                 </a:ext>
               </a:extLst>
             </p:cNvPr>
@@ -17785,7 +17830,7 @@
                   <a16:creationId xmlns:a16="http://schemas.microsoft.com/office/drawing/2014/main" id="{42A4A83C-0C6B-4A7C-B582-33988B027F16}"/>
                 </a:ext>
                 <a:ext uri="{C183D7F6-B498-43B3-948B-1728B52AA6E4}">
-                  <adec:decorative xmlns:adec="http://schemas.microsoft.com/office/drawing/2017/decorative" xmlns="" val="1"/>
+                  <adec:decorative xmlns:adec="http://schemas.microsoft.com/office/drawing/2017/decorative" val="1"/>
                 </a:ext>
               </a:extLst>
             </p:cNvPr>
@@ -17798,7 +17843,7 @@
             <a:blip r:embed="rId5">
               <a:extLst>
                 <a:ext uri="{96DAC541-7B7A-43D3-8B79-37D633B846F1}">
-                  <asvg:svgBlip xmlns:asvg="http://schemas.microsoft.com/office/drawing/2016/SVG/main" xmlns="" r:embed="rId6"/>
+                  <asvg:svgBlip xmlns:asvg="http://schemas.microsoft.com/office/drawing/2016/SVG/main" r:embed="rId6"/>
                 </a:ext>
               </a:extLst>
             </a:blip>
@@ -17824,7 +17869,7 @@
                   <a16:creationId xmlns:a16="http://schemas.microsoft.com/office/drawing/2014/main" id="{6568F216-4DE5-421A-A222-041B654BB87E}"/>
                 </a:ext>
                 <a:ext uri="{C183D7F6-B498-43B3-948B-1728B52AA6E4}">
-                  <adec:decorative xmlns:adec="http://schemas.microsoft.com/office/drawing/2017/decorative" xmlns="" val="1"/>
+                  <adec:decorative xmlns:adec="http://schemas.microsoft.com/office/drawing/2017/decorative" val="1"/>
                 </a:ext>
               </a:extLst>
             </p:cNvPr>
@@ -17905,7 +17950,7 @@
           <a:lstStyle/>
           <a:p>
             <a:r>
-              <a:rPr lang="en-US" dirty="0" smtClean="0"/>
+              <a:rPr lang="en-US" dirty="0"/>
               <a:t>Scope</a:t>
             </a:r>
             <a:endParaRPr lang="en-US" dirty="0">
@@ -18126,17 +18171,16 @@
           <a:p>
             <a:pPr algn="ctr"/>
             <a:r>
-              <a:rPr lang="en-US" dirty="0" smtClean="0"/>
+              <a:rPr lang="en-US" dirty="0"/>
               <a:t>What the Project</a:t>
             </a:r>
           </a:p>
           <a:p>
             <a:pPr algn="ctr"/>
             <a:r>
-              <a:rPr lang="en-US" dirty="0" smtClean="0"/>
+              <a:rPr lang="en-US" dirty="0"/>
               <a:t> is About</a:t>
             </a:r>
-            <a:endParaRPr lang="en-US" dirty="0"/>
           </a:p>
         </p:txBody>
       </p:sp>
@@ -18297,25 +18341,18 @@
   <p:clrMapOvr>
     <a:masterClrMapping/>
   </p:clrMapOvr>
-  <mc:AlternateContent xmlns:mc="http://schemas.openxmlformats.org/markup-compatibility/2006">
-    <mc:Choice xmlns:p14="http://schemas.microsoft.com/office/powerpoint/2010/main" Requires="p14">
+  <mc:AlternateContent xmlns:mc="http://schemas.openxmlformats.org/markup-compatibility/2006" xmlns:p14="http://schemas.microsoft.com/office/powerpoint/2010/main">
+    <mc:Choice Requires="p14">
       <p:transition spd="slow" p14:dur="1400">
         <p14:doors dir="vert"/>
       </p:transition>
     </mc:Choice>
-    <mc:Fallback>
+    <mc:Fallback xmlns="">
       <p:transition spd="slow">
         <p:fade/>
       </p:transition>
     </mc:Fallback>
   </mc:AlternateContent>
-  <p:timing>
-    <p:tnLst>
-      <p:par>
-        <p:cTn id="1" dur="indefinite" restart="never" nodeType="tmRoot"/>
-      </p:par>
-    </p:tnLst>
-  </p:timing>
 </p:sld>
 </file>
 
@@ -18363,10 +18400,9 @@
           <a:lstStyle/>
           <a:p>
             <a:r>
-              <a:rPr lang="en-US" dirty="0" smtClean="0"/>
+              <a:rPr lang="en-US" dirty="0"/>
               <a:t>Scope</a:t>
             </a:r>
-            <a:endParaRPr lang="en-US" dirty="0"/>
           </a:p>
         </p:txBody>
       </p:sp>
@@ -18400,7 +18436,13 @@
           <a:p>
             <a:r>
               <a:rPr lang="en-US" dirty="0"/>
-              <a:t>Game World has asked the Capstone group to develop a point of sale (POS) system. The Capstone group will perform all work on a Time and Material basis.</a:t>
+              <a:t>Game World has asked the Capstone group to</a:t>
+            </a:r>
+          </a:p>
+          <a:p>
+            <a:r>
+              <a:rPr lang="en-US" dirty="0"/>
+              <a:t> develop an IMS.</a:t>
             </a:r>
           </a:p>
           <a:p>
@@ -18409,12 +18451,8 @@
               <a:buChar char="•"/>
             </a:pPr>
             <a:r>
-              <a:rPr lang="en-US" dirty="0" smtClean="0"/>
-              <a:t>Handles </a:t>
-            </a:r>
-            <a:r>
               <a:rPr lang="en-US" dirty="0"/>
-              <a:t>barcode scanner</a:t>
+              <a:t>Handles barcode scanner</a:t>
             </a:r>
             <a:endParaRPr lang="en-US" sz="1400" dirty="0"/>
           </a:p>
@@ -18435,12 +18473,8 @@
               <a:buChar char="•"/>
             </a:pPr>
             <a:r>
-              <a:rPr lang="en-US" dirty="0" smtClean="0"/>
-              <a:t>Locally </a:t>
-            </a:r>
-            <a:r>
               <a:rPr lang="en-US" dirty="0"/>
-              <a:t>hosted database</a:t>
+              <a:t>Locally hosted database</a:t>
             </a:r>
             <a:endParaRPr lang="en-US" sz="1400" dirty="0"/>
           </a:p>
@@ -18450,28 +18484,22 @@
               <a:buChar char="•"/>
             </a:pPr>
             <a:r>
-              <a:rPr lang="en-US" dirty="0" smtClean="0"/>
-              <a:t>Monthly </a:t>
-            </a:r>
-            <a:r>
               <a:rPr lang="en-US" dirty="0"/>
-              <a:t>reports</a:t>
-            </a:r>
-            <a:endParaRPr lang="en-US" sz="1400" dirty="0"/>
-          </a:p>
-          <a:p>
-            <a:pPr marL="285750" lvl="0" indent="-285750">
+              <a:t>Monthly reports</a:t>
+            </a:r>
+          </a:p>
+          <a:p>
+            <a:pPr marL="742950" lvl="1" indent="-285750">
               <a:buFont typeface="Arial" panose="020B0604020202020204" pitchFamily="34" charset="0"/>
               <a:buChar char="•"/>
             </a:pPr>
             <a:r>
-              <a:rPr lang="en-US" dirty="0"/>
-              <a:t>Links to leadsonline.com</a:t>
-            </a:r>
-            <a:endParaRPr lang="en-US" sz="1400" dirty="0"/>
-          </a:p>
-          <a:p>
-            <a:pPr marL="285750" lvl="0" indent="-285750">
+              <a:rPr lang="en-US" sz="1200" dirty="0"/>
+              <a:t>Data Visualization</a:t>
+            </a:r>
+          </a:p>
+          <a:p>
+            <a:pPr marL="285750" indent="-285750">
               <a:buFont typeface="Arial" panose="020B0604020202020204" pitchFamily="34" charset="0"/>
               <a:buChar char="•"/>
             </a:pPr>
@@ -18479,7 +18507,6 @@
               <a:rPr lang="en-US" dirty="0"/>
               <a:t>Links to pricecharting.com</a:t>
             </a:r>
-            <a:endParaRPr lang="en-US" sz="1400" dirty="0"/>
           </a:p>
           <a:p>
             <a:endParaRPr lang="en-US" dirty="0"/>
@@ -18667,25 +18694,18 @@
   <p:clrMapOvr>
     <a:masterClrMapping/>
   </p:clrMapOvr>
-  <mc:AlternateContent xmlns:mc="http://schemas.openxmlformats.org/markup-compatibility/2006">
-    <mc:Choice xmlns:p14="http://schemas.microsoft.com/office/powerpoint/2010/main" Requires="p14">
+  <mc:AlternateContent xmlns:mc="http://schemas.openxmlformats.org/markup-compatibility/2006" xmlns:p14="http://schemas.microsoft.com/office/powerpoint/2010/main">
+    <mc:Choice Requires="p14">
       <p:transition spd="slow" p14:dur="1400">
         <p14:doors dir="vert"/>
       </p:transition>
     </mc:Choice>
-    <mc:Fallback>
+    <mc:Fallback xmlns="">
       <p:transition spd="slow">
         <p:fade/>
       </p:transition>
     </mc:Fallback>
   </mc:AlternateContent>
-  <p:timing>
-    <p:tnLst>
-      <p:par>
-        <p:cTn id="1" dur="indefinite" restart="never" nodeType="tmRoot"/>
-      </p:par>
-    </p:tnLst>
-  </p:timing>
 </p:sld>
 </file>
 
@@ -18759,7 +18779,7 @@
                 <a16:creationId xmlns:a16="http://schemas.microsoft.com/office/drawing/2014/main" id="{1101DF86-6B00-49D3-9EFB-456055F79899}"/>
               </a:ext>
               <a:ext uri="{C183D7F6-B498-43B3-948B-1728B52AA6E4}">
-                <adec:decorative xmlns:adec="http://schemas.microsoft.com/office/drawing/2017/decorative" xmlns="" val="1"/>
+                <adec:decorative xmlns:adec="http://schemas.microsoft.com/office/drawing/2017/decorative" val="1"/>
               </a:ext>
             </a:extLst>
           </p:cNvPr>
@@ -18782,7 +18802,7 @@
                   <a16:creationId xmlns:a16="http://schemas.microsoft.com/office/drawing/2014/main" id="{551A06BE-4DC9-42C3-9272-4EF3E833D5F5}"/>
                 </a:ext>
                 <a:ext uri="{C183D7F6-B498-43B3-948B-1728B52AA6E4}">
-                  <adec:decorative xmlns:adec="http://schemas.microsoft.com/office/drawing/2017/decorative" xmlns="" val="1"/>
+                  <adec:decorative xmlns:adec="http://schemas.microsoft.com/office/drawing/2017/decorative" val="1"/>
                 </a:ext>
               </a:extLst>
             </p:cNvPr>
@@ -18854,7 +18874,7 @@
                   <a16:creationId xmlns:a16="http://schemas.microsoft.com/office/drawing/2014/main" id="{42A4A83C-0C6B-4A7C-B582-33988B027F16}"/>
                 </a:ext>
                 <a:ext uri="{C183D7F6-B498-43B3-948B-1728B52AA6E4}">
-                  <adec:decorative xmlns:adec="http://schemas.microsoft.com/office/drawing/2017/decorative" xmlns="" val="1"/>
+                  <adec:decorative xmlns:adec="http://schemas.microsoft.com/office/drawing/2017/decorative" val="1"/>
                 </a:ext>
               </a:extLst>
             </p:cNvPr>
@@ -18867,7 +18887,7 @@
             <a:blip r:embed="rId5">
               <a:extLst>
                 <a:ext uri="{96DAC541-7B7A-43D3-8B79-37D633B846F1}">
-                  <asvg:svgBlip xmlns:asvg="http://schemas.microsoft.com/office/drawing/2016/SVG/main" xmlns="" r:embed="rId6"/>
+                  <asvg:svgBlip xmlns:asvg="http://schemas.microsoft.com/office/drawing/2016/SVG/main" r:embed="rId6"/>
                 </a:ext>
               </a:extLst>
             </a:blip>
@@ -18893,7 +18913,7 @@
                   <a16:creationId xmlns:a16="http://schemas.microsoft.com/office/drawing/2014/main" id="{6568F216-4DE5-421A-A222-041B654BB87E}"/>
                 </a:ext>
                 <a:ext uri="{C183D7F6-B498-43B3-948B-1728B52AA6E4}">
-                  <adec:decorative xmlns:adec="http://schemas.microsoft.com/office/drawing/2017/decorative" xmlns="" val="1"/>
+                  <adec:decorative xmlns:adec="http://schemas.microsoft.com/office/drawing/2017/decorative" val="1"/>
                 </a:ext>
               </a:extLst>
             </p:cNvPr>
@@ -18974,7 +18994,7 @@
           <a:lstStyle/>
           <a:p>
             <a:r>
-              <a:rPr lang="en-US" dirty="0" smtClean="0"/>
+              <a:rPr lang="en-US" dirty="0"/>
               <a:t>Schedule</a:t>
             </a:r>
             <a:endParaRPr lang="en-US" dirty="0">
@@ -19195,17 +19215,16 @@
           <a:p>
             <a:pPr algn="ctr"/>
             <a:r>
-              <a:rPr lang="en-US" dirty="0" smtClean="0"/>
+              <a:rPr lang="en-US" dirty="0"/>
               <a:t>When it will</a:t>
             </a:r>
           </a:p>
           <a:p>
             <a:pPr algn="ctr"/>
             <a:r>
-              <a:rPr lang="en-US" dirty="0" smtClean="0"/>
+              <a:rPr lang="en-US" dirty="0"/>
               <a:t>Be done</a:t>
             </a:r>
-            <a:endParaRPr lang="en-US" dirty="0" smtClean="0"/>
           </a:p>
         </p:txBody>
       </p:sp>
@@ -19366,25 +19385,18 @@
   <p:clrMapOvr>
     <a:masterClrMapping/>
   </p:clrMapOvr>
-  <mc:AlternateContent xmlns:mc="http://schemas.openxmlformats.org/markup-compatibility/2006">
-    <mc:Choice xmlns:p14="http://schemas.microsoft.com/office/powerpoint/2010/main" Requires="p14">
+  <mc:AlternateContent xmlns:mc="http://schemas.openxmlformats.org/markup-compatibility/2006" xmlns:p14="http://schemas.microsoft.com/office/powerpoint/2010/main">
+    <mc:Choice Requires="p14">
       <p:transition spd="slow" p14:dur="1400">
         <p14:doors dir="vert"/>
       </p:transition>
     </mc:Choice>
-    <mc:Fallback>
+    <mc:Fallback xmlns="">
       <p:transition spd="slow">
         <p:fade/>
       </p:transition>
     </mc:Fallback>
   </mc:AlternateContent>
-  <p:timing>
-    <p:tnLst>
-      <p:par>
-        <p:cTn id="1" dur="indefinite" restart="never" nodeType="tmRoot"/>
-      </p:par>
-    </p:tnLst>
-  </p:timing>
 </p:sld>
 </file>
 
@@ -19453,7 +19465,7 @@
                 <a16:creationId xmlns:a16="http://schemas.microsoft.com/office/drawing/2014/main" id="{CDA17D7C-7C63-439C-8B50-C9B0F0F9AAF7}"/>
               </a:ext>
               <a:ext uri="{C183D7F6-B498-43B3-948B-1728B52AA6E4}">
-                <adec:decorative xmlns:adec="http://schemas.microsoft.com/office/drawing/2017/decorative" xmlns="" val="1"/>
+                <adec:decorative xmlns:adec="http://schemas.microsoft.com/office/drawing/2017/decorative" val="1"/>
               </a:ext>
             </a:extLst>
           </p:cNvPr>
@@ -19476,7 +19488,7 @@
                   <a16:creationId xmlns:a16="http://schemas.microsoft.com/office/drawing/2014/main" id="{C0DB13C1-B4FB-4D33-A199-5BB34983AB47}"/>
                 </a:ext>
                 <a:ext uri="{C183D7F6-B498-43B3-948B-1728B52AA6E4}">
-                  <adec:decorative xmlns:adec="http://schemas.microsoft.com/office/drawing/2017/decorative" xmlns="" val="1"/>
+                  <adec:decorative xmlns:adec="http://schemas.microsoft.com/office/drawing/2017/decorative" val="1"/>
                 </a:ext>
               </a:extLst>
             </p:cNvPr>
@@ -19548,7 +19560,7 @@
                   <a16:creationId xmlns:a16="http://schemas.microsoft.com/office/drawing/2014/main" id="{32FD79E9-DA87-4AE3-AB4F-454E8B1C7E28}"/>
                 </a:ext>
                 <a:ext uri="{C183D7F6-B498-43B3-948B-1728B52AA6E4}">
-                  <adec:decorative xmlns:adec="http://schemas.microsoft.com/office/drawing/2017/decorative" xmlns="" val="1"/>
+                  <adec:decorative xmlns:adec="http://schemas.microsoft.com/office/drawing/2017/decorative" val="1"/>
                 </a:ext>
               </a:extLst>
             </p:cNvPr>
@@ -19603,7 +19615,7 @@
                   <a16:creationId xmlns:a16="http://schemas.microsoft.com/office/drawing/2014/main" id="{97CAE694-E5D7-45D8-80CE-4067B6610E53}"/>
                 </a:ext>
                 <a:ext uri="{C183D7F6-B498-43B3-948B-1728B52AA6E4}">
-                  <adec:decorative xmlns:adec="http://schemas.microsoft.com/office/drawing/2017/decorative" xmlns="" val="1"/>
+                  <adec:decorative xmlns:adec="http://schemas.microsoft.com/office/drawing/2017/decorative" val="1"/>
                 </a:ext>
               </a:extLst>
             </p:cNvPr>
@@ -19673,10 +19685,9 @@
           <a:lstStyle/>
           <a:p>
             <a:r>
-              <a:rPr lang="en-US" dirty="0" smtClean="0"/>
+              <a:rPr lang="en-US" dirty="0"/>
               <a:t>Schedule</a:t>
             </a:r>
-            <a:endParaRPr lang="en-US" dirty="0"/>
           </a:p>
         </p:txBody>
       </p:sp>
@@ -19701,7 +19712,10 @@
           <a:bodyPr/>
           <a:lstStyle/>
           <a:p>
-            <a:endParaRPr lang="en-US" dirty="0"/>
+            <a:r>
+              <a:rPr lang="en-US" dirty="0"/>
+              <a:t>Tentative Roadmap</a:t>
+            </a:r>
           </a:p>
         </p:txBody>
       </p:sp>
@@ -19724,17 +19738,84 @@
         <p:spPr/>
         <p:txBody>
           <a:bodyPr>
-            <a:normAutofit lnSpcReduction="10000"/>
+            <a:normAutofit fontScale="77500" lnSpcReduction="20000"/>
           </a:bodyPr>
           <a:lstStyle/>
           <a:p>
-            <a:pPr marL="0" indent="0">
-              <a:buNone/>
-            </a:pPr>
             <a:r>
               <a:rPr lang="en-US" dirty="0"/>
-              <a:t>Lorem ipsum dolor sit amet, consectetur adipiscing elit. Ut gravida eros erat. Proin a tellus sed risus lobortis sagittis eu quis est. Duis ut aliquam nisi. Suspendisse vehicula mi diam, sit amet lacinia massa sodales ac. Fusce condimentum egestas nunc a maximus. Quisque et orci purus. Proin dolor mi, ultrices sit amet ipsum placerat, congue mattis turpis. Donec vestibulum eros eget mauris dignissim, ut ultricies dolor vi Lorem ipsum dolor sit amet, consectetur adipiscing elit. Ut gravida eros erat. Proin a tellus sed risus lobortis sagittis eu quis est. Duis ut aliquam nisi. Suspendisse vehicula mi diam, sit amet lacinia massa sodales ac. Fusce condimentum egestas nunc a maximus. </a:t>
-            </a:r>
+              <a:t>Database design </a:t>
+            </a:r>
+          </a:p>
+          <a:p>
+            <a:pPr lvl="1"/>
+            <a:r>
+              <a:rPr lang="en-US" dirty="0"/>
+              <a:t>Entity- Relationship Design (ERD)</a:t>
+            </a:r>
+          </a:p>
+          <a:p>
+            <a:pPr lvl="1"/>
+            <a:r>
+              <a:rPr lang="en-US" dirty="0"/>
+              <a:t>Table Structures </a:t>
+            </a:r>
+          </a:p>
+          <a:p>
+            <a:r>
+              <a:rPr lang="en-US" dirty="0"/>
+              <a:t>Ui - Design</a:t>
+            </a:r>
+          </a:p>
+          <a:p>
+            <a:pPr lvl="1"/>
+            <a:r>
+              <a:rPr lang="en-US" dirty="0"/>
+              <a:t>Components  mockup</a:t>
+            </a:r>
+          </a:p>
+          <a:p>
+            <a:pPr lvl="1"/>
+            <a:r>
+              <a:rPr lang="en-US" dirty="0"/>
+              <a:t>UX Design</a:t>
+            </a:r>
+          </a:p>
+          <a:p>
+            <a:r>
+              <a:rPr lang="en-US" dirty="0"/>
+              <a:t>System Design	</a:t>
+            </a:r>
+          </a:p>
+          <a:p>
+            <a:pPr lvl="1"/>
+            <a:r>
+              <a:rPr lang="en-US" dirty="0"/>
+              <a:t>Integrate data into UI </a:t>
+            </a:r>
+          </a:p>
+          <a:p>
+            <a:pPr lvl="1"/>
+            <a:r>
+              <a:rPr lang="en-US" dirty="0"/>
+              <a:t>Add Final functionality </a:t>
+            </a:r>
+          </a:p>
+          <a:p>
+            <a:r>
+              <a:rPr lang="en-US" dirty="0"/>
+              <a:t>Testing</a:t>
+            </a:r>
+          </a:p>
+          <a:p>
+            <a:pPr lvl="1"/>
+            <a:r>
+              <a:rPr lang="en-US" dirty="0"/>
+              <a:t>Running through test cases </a:t>
+            </a:r>
+          </a:p>
+          <a:p>
+            <a:endParaRPr lang="en-US" dirty="0"/>
           </a:p>
         </p:txBody>
       </p:sp>
@@ -19806,25 +19887,18 @@
   <p:clrMapOvr>
     <a:masterClrMapping/>
   </p:clrMapOvr>
-  <mc:AlternateContent xmlns:mc="http://schemas.openxmlformats.org/markup-compatibility/2006">
-    <mc:Choice xmlns:p14="http://schemas.microsoft.com/office/powerpoint/2010/main" Requires="p14">
+  <mc:AlternateContent xmlns:mc="http://schemas.openxmlformats.org/markup-compatibility/2006" xmlns:p14="http://schemas.microsoft.com/office/powerpoint/2010/main">
+    <mc:Choice Requires="p14">
       <p:transition spd="slow" p14:dur="1400">
         <p14:doors dir="vert"/>
       </p:transition>
     </mc:Choice>
-    <mc:Fallback>
+    <mc:Fallback xmlns="">
       <p:transition spd="slow">
         <p:fade/>
       </p:transition>
     </mc:Fallback>
   </mc:AlternateContent>
-  <p:timing>
-    <p:tnLst>
-      <p:par>
-        <p:cTn id="1" dur="indefinite" restart="never" nodeType="tmRoot"/>
-      </p:par>
-    </p:tnLst>
-  </p:timing>
 </p:sld>
 </file>
 
@@ -20620,20 +20694,20 @@
 </file>
 
 <file path=customXml/item1.xml><?xml version="1.0" encoding="utf-8"?>
+<p:properties xmlns:p="http://schemas.microsoft.com/office/2006/metadata/properties" xmlns:xsi="http://www.w3.org/2001/XMLSchema-instance" xmlns:pc="http://schemas.microsoft.com/office/infopath/2007/PartnerControls">
+  <documentManagement>
+    <MediaServiceKeyPoints xmlns="a4161c35-64c0-4526-8549-110ea86716ce" xsi:nil="true"/>
+  </documentManagement>
+</p:properties>
+</file>
+
+<file path=customXml/item2.xml><?xml version="1.0" encoding="utf-8"?>
 <?mso-contentType ?>
 <FormTemplates xmlns="http://schemas.microsoft.com/sharepoint/v3/contenttype/forms">
   <Display>DocumentLibraryForm</Display>
   <Edit>DocumentLibraryForm</Edit>
   <New>DocumentLibraryForm</New>
 </FormTemplates>
-</file>
-
-<file path=customXml/item2.xml><?xml version="1.0" encoding="utf-8"?>
-<p:properties xmlns:p="http://schemas.microsoft.com/office/2006/metadata/properties" xmlns:xsi="http://www.w3.org/2001/XMLSchema-instance" xmlns:pc="http://schemas.microsoft.com/office/infopath/2007/PartnerControls">
-  <documentManagement>
-    <MediaServiceKeyPoints xmlns="a4161c35-64c0-4526-8549-110ea86716ce" xsi:nil="true"/>
-  </documentManagement>
-</p:properties>
 </file>
 
 <file path=customXml/item3.xml><?xml version="1.0" encoding="utf-8"?>
@@ -20815,14 +20889,6 @@
 </file>
 
 <file path=customXml/itemProps1.xml><?xml version="1.0" encoding="utf-8"?>
-<ds:datastoreItem xmlns:ds="http://schemas.openxmlformats.org/officeDocument/2006/customXml" ds:itemID="{26A0F1FB-B1B3-48EC-BFEE-FC0094A34C28}">
-  <ds:schemaRefs>
-    <ds:schemaRef ds:uri="http://schemas.microsoft.com/sharepoint/v3/contenttype/forms"/>
-  </ds:schemaRefs>
-</ds:datastoreItem>
-</file>
-
-<file path=customXml/itemProps2.xml><?xml version="1.0" encoding="utf-8"?>
 <ds:datastoreItem xmlns:ds="http://schemas.openxmlformats.org/officeDocument/2006/customXml" ds:itemID="{471340EA-4D3D-470F-B5D6-C0F623079401}">
   <ds:schemaRefs>
     <ds:schemaRef ds:uri="http://purl.org/dc/terms/"/>
@@ -20834,6 +20900,14 @@
     <ds:schemaRef ds:uri="a4161c35-64c0-4526-8549-110ea86716ce"/>
     <ds:schemaRef ds:uri="http://www.w3.org/XML/1998/namespace"/>
     <ds:schemaRef ds:uri="http://purl.org/dc/dcmitype/"/>
+  </ds:schemaRefs>
+</ds:datastoreItem>
+</file>
+
+<file path=customXml/itemProps2.xml><?xml version="1.0" encoding="utf-8"?>
+<ds:datastoreItem xmlns:ds="http://schemas.openxmlformats.org/officeDocument/2006/customXml" ds:itemID="{26A0F1FB-B1B3-48EC-BFEE-FC0094A34C28}">
+  <ds:schemaRefs>
+    <ds:schemaRef ds:uri="http://schemas.microsoft.com/sharepoint/v3/contenttype/forms"/>
   </ds:schemaRefs>
 </ds:datastoreItem>
 </file>
